--- a/Лекции/Лекция №1/Лекция №1.pptx
+++ b/Лекции/Лекция №1/Лекция №1.pptx
@@ -5,26 +5,32 @@
     <p:sldMasterId id="2147483659" r:id="rId1"/>
   </p:sldMasterIdLst>
   <p:notesMasterIdLst>
-    <p:notesMasterId r:id="rId19"/>
+    <p:notesMasterId r:id="rId25"/>
   </p:notesMasterIdLst>
   <p:sldIdLst>
     <p:sldId id="256" r:id="rId2"/>
-    <p:sldId id="257" r:id="rId3"/>
-    <p:sldId id="258" r:id="rId4"/>
-    <p:sldId id="259" r:id="rId5"/>
-    <p:sldId id="260" r:id="rId6"/>
-    <p:sldId id="261" r:id="rId7"/>
-    <p:sldId id="262" r:id="rId8"/>
-    <p:sldId id="263" r:id="rId9"/>
-    <p:sldId id="264" r:id="rId10"/>
-    <p:sldId id="268" r:id="rId11"/>
-    <p:sldId id="269" r:id="rId12"/>
-    <p:sldId id="265" r:id="rId13"/>
-    <p:sldId id="271" r:id="rId14"/>
-    <p:sldId id="270" r:id="rId15"/>
-    <p:sldId id="266" r:id="rId16"/>
-    <p:sldId id="267" r:id="rId17"/>
-    <p:sldId id="272" r:id="rId18"/>
+    <p:sldId id="278" r:id="rId3"/>
+    <p:sldId id="257" r:id="rId4"/>
+    <p:sldId id="258" r:id="rId5"/>
+    <p:sldId id="259" r:id="rId6"/>
+    <p:sldId id="260" r:id="rId7"/>
+    <p:sldId id="261" r:id="rId8"/>
+    <p:sldId id="273" r:id="rId9"/>
+    <p:sldId id="274" r:id="rId10"/>
+    <p:sldId id="275" r:id="rId11"/>
+    <p:sldId id="276" r:id="rId12"/>
+    <p:sldId id="277" r:id="rId13"/>
+    <p:sldId id="262" r:id="rId14"/>
+    <p:sldId id="263" r:id="rId15"/>
+    <p:sldId id="264" r:id="rId16"/>
+    <p:sldId id="268" r:id="rId17"/>
+    <p:sldId id="269" r:id="rId18"/>
+    <p:sldId id="265" r:id="rId19"/>
+    <p:sldId id="271" r:id="rId20"/>
+    <p:sldId id="270" r:id="rId21"/>
+    <p:sldId id="266" r:id="rId22"/>
+    <p:sldId id="267" r:id="rId23"/>
+    <p:sldId id="272" r:id="rId24"/>
   </p:sldIdLst>
   <p:sldSz cx="9144000" cy="5143500" type="screen16x9"/>
   <p:notesSz cx="6858000" cy="9144000"/>
@@ -230,6 +236,11 @@
       </a:defRPr>
     </a:lvl9pPr>
   </p:defaultTextStyle>
+  <p:extLst>
+    <p:ext uri="{EFAFB233-063F-42B5-8137-9DF3F51BA10A}">
+      <p15:sldGuideLst xmlns:p15="http://schemas.microsoft.com/office/powerpoint/2012/main"/>
+    </p:ext>
+  </p:extLst>
 </p:presentation>
 </file>
 
@@ -602,11 +613,11 @@
 </file>
 
 <file path=ppt/notesSlides/notesSlide10.xml><?xml version="1.0" encoding="utf-8"?>
-<p:notes xmlns:a="http://schemas.openxmlformats.org/drawingml/2006/main" xmlns:r="http://schemas.openxmlformats.org/officeDocument/2006/relationships" xmlns:p="http://schemas.openxmlformats.org/presentationml/2006/main">
+<p:notes xmlns:a="http://schemas.openxmlformats.org/drawingml/2006/main" xmlns:r="http://schemas.openxmlformats.org/officeDocument/2006/relationships" xmlns:p="http://schemas.openxmlformats.org/presentationml/2006/main" showMasterSp="0" showMasterPhAnim="0">
   <p:cSld>
     <p:spTree>
       <p:nvGrpSpPr>
-        <p:cNvPr id="1" name=""/>
+        <p:cNvPr id="1" name="Shape 97"/>
         <p:cNvGrpSpPr/>
         <p:nvPr/>
       </p:nvGrpSpPr>
@@ -620,12 +631,12 @@
       </p:grpSpPr>
       <p:sp>
         <p:nvSpPr>
-          <p:cNvPr id="2" name="Образ слайда 1"/>
+          <p:cNvPr id="98" name="Shape 98"/>
           <p:cNvSpPr>
             <a:spLocks noGrp="1" noRot="1" noChangeAspect="1"/>
           </p:cNvSpPr>
           <p:nvPr>
-            <p:ph type="sldImg"/>
+            <p:ph type="sldImg" idx="2"/>
           </p:nvPr>
         </p:nvSpPr>
         <p:spPr>
@@ -633,92 +644,255 @@
             <a:off x="381000" y="685800"/>
             <a:ext cx="6096000" cy="3429000"/>
           </a:xfrm>
+          <a:custGeom>
+            <a:avLst/>
+            <a:gdLst/>
+            <a:ahLst/>
+            <a:cxnLst/>
+            <a:rect l="0" t="0" r="0" b="0"/>
+            <a:pathLst>
+              <a:path w="120000" h="120000" extrusionOk="0">
+                <a:moveTo>
+                  <a:pt x="0" y="0"/>
+                </a:moveTo>
+                <a:lnTo>
+                  <a:pt x="120000" y="0"/>
+                </a:lnTo>
+                <a:lnTo>
+                  <a:pt x="120000" y="120000"/>
+                </a:lnTo>
+                <a:lnTo>
+                  <a:pt x="0" y="120000"/>
+                </a:lnTo>
+                <a:close/>
+              </a:path>
+            </a:pathLst>
+          </a:custGeom>
         </p:spPr>
       </p:sp>
       <p:sp>
         <p:nvSpPr>
-          <p:cNvPr id="3" name="Заметки 2"/>
-          <p:cNvSpPr>
+          <p:cNvPr id="99" name="Shape 99"/>
+          <p:cNvSpPr txBox="1">
             <a:spLocks noGrp="1"/>
           </p:cNvSpPr>
           <p:nvPr>
             <p:ph type="body" idx="1"/>
           </p:nvPr>
         </p:nvSpPr>
-        <p:spPr/>
+        <p:spPr>
+          <a:xfrm>
+            <a:off x="685800" y="4343400"/>
+            <a:ext cx="5486400" cy="4114800"/>
+          </a:xfrm>
+          <a:prstGeom prst="rect">
+            <a:avLst/>
+          </a:prstGeom>
+        </p:spPr>
         <p:txBody>
-          <a:bodyPr/>
+          <a:bodyPr lIns="91425" tIns="91425" rIns="91425" bIns="91425" anchor="t" anchorCtr="0">
+            <a:noAutofit/>
+          </a:bodyPr>
           <a:lstStyle/>
           <a:p>
-            <a:r>
-              <a:rPr lang="ru-RU" sz="1100" b="0" i="0" kern="1200" dirty="0" smtClean="0">
+            <a:pPr lvl="0">
+              <a:spcBef>
+                <a:spcPts val="0"/>
+              </a:spcBef>
+              <a:buNone/>
+            </a:pPr>
+            <a:r>
+              <a:rPr lang="ru" sz="1200">
                 <a:solidFill>
-                  <a:schemeClr val="tx1"/>
+                  <a:srgbClr val="333333"/>
                 </a:solidFill>
-                <a:effectLst/>
-                <a:latin typeface="+mn-lt"/>
-                <a:ea typeface="+mn-ea"/>
-                <a:cs typeface="+mn-cs"/>
+                <a:highlight>
+                  <a:srgbClr val="FFFFFF"/>
+                </a:highlight>
               </a:rPr>
-              <a:t>Следующая таблица перечисляет различные </a:t>
-            </a:r>
-            <a:r>
-              <a:rPr lang="ru-RU" sz="1100" b="0" i="1" kern="1200" dirty="0" smtClean="0">
+              <a:t>DOM – это представление документа в виде дерева объектов, доступное для изменения через JavaScript.</a:t>
+            </a:r>
+          </a:p>
+          <a:p>
+            <a:pPr lvl="0" rtl="0">
+              <a:lnSpc>
+                <a:spcPct val="115000"/>
+              </a:lnSpc>
+              <a:spcBef>
+                <a:spcPts val="1700"/>
+              </a:spcBef>
+              <a:spcAft>
+                <a:spcPts val="1700"/>
+              </a:spcAft>
+              <a:buClr>
+                <a:schemeClr val="dk1"/>
+              </a:buClr>
+              <a:buSzPct val="91666"/>
+              <a:buFont typeface="Arial"/>
+              <a:buNone/>
+            </a:pPr>
+            <a:r>
+              <a:rPr lang="ru" sz="1200">
                 <a:solidFill>
-                  <a:schemeClr val="tx1"/>
+                  <a:srgbClr val="333333"/>
                 </a:solidFill>
-                <a:effectLst/>
-                <a:latin typeface="+mn-lt"/>
-                <a:ea typeface="+mn-ea"/>
-                <a:cs typeface="+mn-cs"/>
+                <a:highlight>
+                  <a:srgbClr val="FFFFFF"/>
+                </a:highlight>
               </a:rPr>
-              <a:t>типы узлов</a:t>
-            </a:r>
-            <a:r>
-              <a:rPr lang="ru-RU" sz="1100" b="0" i="0" kern="1200" dirty="0" smtClean="0">
+              <a:t>В этом дереве выделено два типа узлов.</a:t>
+            </a:r>
+          </a:p>
+          <a:p>
+            <a:pPr marL="457200" lvl="0" indent="-304800" rtl="0">
+              <a:lnSpc>
+                <a:spcPct val="115000"/>
+              </a:lnSpc>
+              <a:spcBef>
+                <a:spcPts val="2100"/>
+              </a:spcBef>
+              <a:spcAft>
+                <a:spcPts val="2100"/>
+              </a:spcAft>
+              <a:buClr>
+                <a:srgbClr val="333333"/>
+              </a:buClr>
+              <a:buSzPct val="100000"/>
+              <a:buAutoNum type="arabicPeriod"/>
+            </a:pPr>
+            <a:r>
+              <a:rPr lang="ru" sz="1200">
                 <a:solidFill>
-                  <a:schemeClr val="tx1"/>
+                  <a:srgbClr val="333333"/>
                 </a:solidFill>
-                <a:effectLst/>
-                <a:latin typeface="+mn-lt"/>
-                <a:ea typeface="+mn-ea"/>
-                <a:cs typeface="+mn-cs"/>
+                <a:highlight>
+                  <a:srgbClr val="FFFFFF"/>
+                </a:highlight>
               </a:rPr>
-              <a:t> W3C, а также какие типы узлов они могут иметь в качестве </a:t>
-            </a:r>
-            <a:r>
-              <a:rPr lang="ru-RU" sz="1100" b="0" i="0" u="none" strike="noStrike" kern="1200" dirty="0" smtClean="0">
+              <a:t>Теги образуют </a:t>
+            </a:r>
+            <a:r>
+              <a:rPr lang="ru" sz="1200" i="1">
                 <a:solidFill>
-                  <a:schemeClr val="tx1"/>
+                  <a:srgbClr val="333333"/>
                 </a:solidFill>
-                <a:effectLst/>
-                <a:latin typeface="+mn-lt"/>
-                <a:ea typeface="+mn-ea"/>
-                <a:cs typeface="+mn-cs"/>
-                <a:hlinkClick r:id="rId3" tooltip="Откроется в новом окне"/>
+                <a:highlight>
+                  <a:srgbClr val="FFFFFF"/>
+                </a:highlight>
               </a:rPr>
-              <a:t>детей</a:t>
-            </a:r>
-            <a:r>
-              <a:rPr lang="ru-RU" sz="1100" b="0" i="0" kern="1200" dirty="0" smtClean="0">
+              <a:t>узлы-элементы</a:t>
+            </a:r>
+            <a:r>
+              <a:rPr lang="ru" sz="1200">
                 <a:solidFill>
-                  <a:schemeClr val="tx1"/>
+                  <a:srgbClr val="333333"/>
                 </a:solidFill>
-                <a:effectLst/>
-                <a:latin typeface="+mn-lt"/>
-                <a:ea typeface="+mn-ea"/>
-                <a:cs typeface="+mn-cs"/>
+                <a:highlight>
+                  <a:srgbClr val="FFFFFF"/>
+                </a:highlight>
               </a:rPr>
-              <a:t>:</a:t>
-            </a:r>
-            <a:endParaRPr lang="ru-RU" dirty="0"/>
+              <a:t> (element node). Естественным образом одни узлы вложены в другие. Структура дерева образована исключительно за счет них.</a:t>
+            </a:r>
+          </a:p>
+          <a:p>
+            <a:pPr marL="457200" lvl="0" indent="-304800" rtl="0">
+              <a:lnSpc>
+                <a:spcPct val="115000"/>
+              </a:lnSpc>
+              <a:spcBef>
+                <a:spcPts val="2100"/>
+              </a:spcBef>
+              <a:spcAft>
+                <a:spcPts val="2100"/>
+              </a:spcAft>
+              <a:buClr>
+                <a:srgbClr val="333333"/>
+              </a:buClr>
+              <a:buSzPct val="100000"/>
+              <a:buAutoNum type="arabicPeriod"/>
+            </a:pPr>
+            <a:r>
+              <a:rPr lang="ru" sz="1200">
+                <a:solidFill>
+                  <a:srgbClr val="333333"/>
+                </a:solidFill>
+                <a:highlight>
+                  <a:srgbClr val="FFFFFF"/>
+                </a:highlight>
+              </a:rPr>
+              <a:t>Текст внутри элементов образует </a:t>
+            </a:r>
+            <a:r>
+              <a:rPr lang="ru" sz="1200" i="1">
+                <a:solidFill>
+                  <a:srgbClr val="333333"/>
+                </a:solidFill>
+                <a:highlight>
+                  <a:srgbClr val="FFFFFF"/>
+                </a:highlight>
+              </a:rPr>
+              <a:t>текстовые узлы</a:t>
+            </a:r>
+            <a:r>
+              <a:rPr lang="ru" sz="1200">
+                <a:solidFill>
+                  <a:srgbClr val="333333"/>
+                </a:solidFill>
+                <a:highlight>
+                  <a:srgbClr val="FFFFFF"/>
+                </a:highlight>
+              </a:rPr>
+              <a:t> (text node), обозначенные как </a:t>
+            </a:r>
+            <a:r>
+              <a:rPr lang="ru" sz="1200">
+                <a:solidFill>
+                  <a:srgbClr val="333333"/>
+                </a:solidFill>
+                <a:highlight>
+                  <a:srgbClr val="FFFFFF"/>
+                </a:highlight>
+                <a:latin typeface="Verdana"/>
+                <a:ea typeface="Verdana"/>
+                <a:cs typeface="Verdana"/>
+                <a:sym typeface="Verdana"/>
+              </a:rPr>
+              <a:t>#text</a:t>
+            </a:r>
+            <a:r>
+              <a:rPr lang="ru" sz="1200">
+                <a:solidFill>
+                  <a:srgbClr val="333333"/>
+                </a:solidFill>
+                <a:highlight>
+                  <a:srgbClr val="FFFFFF"/>
+                </a:highlight>
+              </a:rPr>
+              <a:t>. Текстовый узел содержит исключительно строку текста и не может иметь потомков, то есть он всегда на самом нижнем уровне.</a:t>
+            </a:r>
+          </a:p>
+          <a:p>
+            <a:pPr lvl="0">
+              <a:spcBef>
+                <a:spcPts val="0"/>
+              </a:spcBef>
+              <a:buNone/>
+            </a:pPr>
+            <a:endParaRPr sz="1200">
+              <a:solidFill>
+                <a:srgbClr val="333333"/>
+              </a:solidFill>
+              <a:highlight>
+                <a:srgbClr val="FFFFFF"/>
+              </a:highlight>
+            </a:endParaRPr>
           </a:p>
         </p:txBody>
       </p:sp>
     </p:spTree>
     <p:extLst>
       <p:ext uri="{BB962C8B-B14F-4D97-AF65-F5344CB8AC3E}">
-        <p14:creationId xmlns:p14="http://schemas.microsoft.com/office/powerpoint/2010/main" val="239791037"/>
+        <p14:creationId xmlns:p14="http://schemas.microsoft.com/office/powerpoint/2010/main" val="3117816531"/>
       </p:ext>
     </p:extLst>
   </p:cSld>
@@ -787,6 +961,133 @@
                 <a:ea typeface="+mn-ea"/>
                 <a:cs typeface="+mn-cs"/>
               </a:rPr>
+              <a:t>Следующая таблица перечисляет различные </a:t>
+            </a:r>
+            <a:r>
+              <a:rPr lang="ru-RU" sz="1100" b="0" i="1" kern="1200" dirty="0" smtClean="0">
+                <a:solidFill>
+                  <a:schemeClr val="tx1"/>
+                </a:solidFill>
+                <a:effectLst/>
+                <a:latin typeface="+mn-lt"/>
+                <a:ea typeface="+mn-ea"/>
+                <a:cs typeface="+mn-cs"/>
+              </a:rPr>
+              <a:t>типы узлов</a:t>
+            </a:r>
+            <a:r>
+              <a:rPr lang="ru-RU" sz="1100" b="0" i="0" kern="1200" dirty="0" smtClean="0">
+                <a:solidFill>
+                  <a:schemeClr val="tx1"/>
+                </a:solidFill>
+                <a:effectLst/>
+                <a:latin typeface="+mn-lt"/>
+                <a:ea typeface="+mn-ea"/>
+                <a:cs typeface="+mn-cs"/>
+              </a:rPr>
+              <a:t> W3C, а также какие типы узлов они могут иметь в качестве </a:t>
+            </a:r>
+            <a:r>
+              <a:rPr lang="ru-RU" sz="1100" b="0" i="0" u="none" strike="noStrike" kern="1200" dirty="0" smtClean="0">
+                <a:solidFill>
+                  <a:schemeClr val="tx1"/>
+                </a:solidFill>
+                <a:effectLst/>
+                <a:latin typeface="+mn-lt"/>
+                <a:ea typeface="+mn-ea"/>
+                <a:cs typeface="+mn-cs"/>
+                <a:hlinkClick r:id="rId3" tooltip="Откроется в новом окне"/>
+              </a:rPr>
+              <a:t>детей</a:t>
+            </a:r>
+            <a:r>
+              <a:rPr lang="ru-RU" sz="1100" b="0" i="0" kern="1200" dirty="0" smtClean="0">
+                <a:solidFill>
+                  <a:schemeClr val="tx1"/>
+                </a:solidFill>
+                <a:effectLst/>
+                <a:latin typeface="+mn-lt"/>
+                <a:ea typeface="+mn-ea"/>
+                <a:cs typeface="+mn-cs"/>
+              </a:rPr>
+              <a:t>:</a:t>
+            </a:r>
+            <a:endParaRPr lang="ru-RU" dirty="0"/>
+          </a:p>
+        </p:txBody>
+      </p:sp>
+    </p:spTree>
+    <p:extLst>
+      <p:ext uri="{BB962C8B-B14F-4D97-AF65-F5344CB8AC3E}">
+        <p14:creationId xmlns:p14="http://schemas.microsoft.com/office/powerpoint/2010/main" val="239791037"/>
+      </p:ext>
+    </p:extLst>
+  </p:cSld>
+  <p:clrMapOvr>
+    <a:masterClrMapping/>
+  </p:clrMapOvr>
+</p:notes>
+</file>
+
+<file path=ppt/notesSlides/notesSlide12.xml><?xml version="1.0" encoding="utf-8"?>
+<p:notes xmlns:a="http://schemas.openxmlformats.org/drawingml/2006/main" xmlns:r="http://schemas.openxmlformats.org/officeDocument/2006/relationships" xmlns:p="http://schemas.openxmlformats.org/presentationml/2006/main">
+  <p:cSld>
+    <p:spTree>
+      <p:nvGrpSpPr>
+        <p:cNvPr id="1" name=""/>
+        <p:cNvGrpSpPr/>
+        <p:nvPr/>
+      </p:nvGrpSpPr>
+      <p:grpSpPr>
+        <a:xfrm>
+          <a:off x="0" y="0"/>
+          <a:ext cx="0" cy="0"/>
+          <a:chOff x="0" y="0"/>
+          <a:chExt cx="0" cy="0"/>
+        </a:xfrm>
+      </p:grpSpPr>
+      <p:sp>
+        <p:nvSpPr>
+          <p:cNvPr id="2" name="Образ слайда 1"/>
+          <p:cNvSpPr>
+            <a:spLocks noGrp="1" noRot="1" noChangeAspect="1"/>
+          </p:cNvSpPr>
+          <p:nvPr>
+            <p:ph type="sldImg"/>
+          </p:nvPr>
+        </p:nvSpPr>
+        <p:spPr>
+          <a:xfrm>
+            <a:off x="381000" y="685800"/>
+            <a:ext cx="6096000" cy="3429000"/>
+          </a:xfrm>
+        </p:spPr>
+      </p:sp>
+      <p:sp>
+        <p:nvSpPr>
+          <p:cNvPr id="3" name="Заметки 2"/>
+          <p:cNvSpPr>
+            <a:spLocks noGrp="1"/>
+          </p:cNvSpPr>
+          <p:nvPr>
+            <p:ph type="body" idx="1"/>
+          </p:nvPr>
+        </p:nvSpPr>
+        <p:spPr/>
+        <p:txBody>
+          <a:bodyPr/>
+          <a:lstStyle/>
+          <a:p>
+            <a:r>
+              <a:rPr lang="ru-RU" sz="1100" b="0" i="0" kern="1200" dirty="0" smtClean="0">
+                <a:solidFill>
+                  <a:schemeClr val="tx1"/>
+                </a:solidFill>
+                <a:effectLst/>
+                <a:latin typeface="+mn-lt"/>
+                <a:ea typeface="+mn-ea"/>
+                <a:cs typeface="+mn-cs"/>
+              </a:rPr>
               <a:t>Следующая таблица перечисляет, какие </a:t>
             </a:r>
             <a:r>
@@ -904,7 +1205,7 @@
 </p:notes>
 </file>
 
-<file path=ppt/notesSlides/notesSlide12.xml><?xml version="1.0" encoding="utf-8"?>
+<file path=ppt/notesSlides/notesSlide13.xml><?xml version="1.0" encoding="utf-8"?>
 <p:notes xmlns:a="http://schemas.openxmlformats.org/drawingml/2006/main" xmlns:r="http://schemas.openxmlformats.org/officeDocument/2006/relationships" xmlns:p="http://schemas.openxmlformats.org/presentationml/2006/main" showMasterSp="0" showMasterPhAnim="0">
   <p:cSld>
     <p:spTree>
@@ -1052,7 +1353,7 @@
 </p:notes>
 </file>
 
-<file path=ppt/notesSlides/notesSlide13.xml><?xml version="1.0" encoding="utf-8"?>
+<file path=ppt/notesSlides/notesSlide14.xml><?xml version="1.0" encoding="utf-8"?>
 <p:notes xmlns:a="http://schemas.openxmlformats.org/drawingml/2006/main" xmlns:r="http://schemas.openxmlformats.org/officeDocument/2006/relationships" xmlns:p="http://schemas.openxmlformats.org/presentationml/2006/main">
   <p:cSld>
     <p:spTree>
@@ -1117,7 +1418,7 @@
 </p:notes>
 </file>
 
-<file path=ppt/notesSlides/notesSlide14.xml><?xml version="1.0" encoding="utf-8"?>
+<file path=ppt/notesSlides/notesSlide15.xml><?xml version="1.0" encoding="utf-8"?>
 <p:notes xmlns:a="http://schemas.openxmlformats.org/drawingml/2006/main" xmlns:r="http://schemas.openxmlformats.org/officeDocument/2006/relationships" xmlns:p="http://schemas.openxmlformats.org/presentationml/2006/main" showMasterSp="0" showMasterPhAnim="0">
   <p:cSld>
     <p:spTree>
@@ -1223,7 +1524,7 @@
 </p:notes>
 </file>
 
-<file path=ppt/notesSlides/notesSlide15.xml><?xml version="1.0" encoding="utf-8"?>
+<file path=ppt/notesSlides/notesSlide16.xml><?xml version="1.0" encoding="utf-8"?>
 <p:notes xmlns:a="http://schemas.openxmlformats.org/drawingml/2006/main" xmlns:r="http://schemas.openxmlformats.org/officeDocument/2006/relationships" xmlns:p="http://schemas.openxmlformats.org/presentationml/2006/main" showMasterSp="0" showMasterPhAnim="0">
   <p:cSld>
     <p:spTree>
@@ -1860,6 +2161,67 @@
 </file>
 
 <file path=ppt/notesSlides/notesSlide7.xml><?xml version="1.0" encoding="utf-8"?>
+<p:notes xmlns:a="http://schemas.openxmlformats.org/drawingml/2006/main" xmlns:r="http://schemas.openxmlformats.org/officeDocument/2006/relationships" xmlns:p="http://schemas.openxmlformats.org/presentationml/2006/main">
+  <p:cSld>
+    <p:spTree>
+      <p:nvGrpSpPr>
+        <p:cNvPr id="1" name=""/>
+        <p:cNvGrpSpPr/>
+        <p:nvPr/>
+      </p:nvGrpSpPr>
+      <p:grpSpPr>
+        <a:xfrm>
+          <a:off x="0" y="0"/>
+          <a:ext cx="0" cy="0"/>
+          <a:chOff x="0" y="0"/>
+          <a:chExt cx="0" cy="0"/>
+        </a:xfrm>
+      </p:grpSpPr>
+      <p:sp>
+        <p:nvSpPr>
+          <p:cNvPr id="2" name="Образ слайда 1"/>
+          <p:cNvSpPr>
+            <a:spLocks noGrp="1" noRot="1" noChangeAspect="1"/>
+          </p:cNvSpPr>
+          <p:nvPr>
+            <p:ph type="sldImg"/>
+          </p:nvPr>
+        </p:nvSpPr>
+        <p:spPr/>
+      </p:sp>
+      <p:sp>
+        <p:nvSpPr>
+          <p:cNvPr id="3" name="Заметки 2"/>
+          <p:cNvSpPr>
+            <a:spLocks noGrp="1"/>
+          </p:cNvSpPr>
+          <p:nvPr>
+            <p:ph type="body" idx="1"/>
+          </p:nvPr>
+        </p:nvSpPr>
+        <p:spPr/>
+        <p:txBody>
+          <a:bodyPr/>
+          <a:lstStyle/>
+          <a:p>
+            <a:endParaRPr lang="en-US" dirty="0"/>
+          </a:p>
+        </p:txBody>
+      </p:sp>
+    </p:spTree>
+    <p:extLst>
+      <p:ext uri="{BB962C8B-B14F-4D97-AF65-F5344CB8AC3E}">
+        <p14:creationId xmlns:p14="http://schemas.microsoft.com/office/powerpoint/2010/main" val="3718098802"/>
+      </p:ext>
+    </p:extLst>
+  </p:cSld>
+  <p:clrMapOvr>
+    <a:masterClrMapping/>
+  </p:clrMapOvr>
+</p:notes>
+</file>
+
+<file path=ppt/notesSlides/notesSlide8.xml><?xml version="1.0" encoding="utf-8"?>
 <p:notes xmlns:a="http://schemas.openxmlformats.org/drawingml/2006/main" xmlns:r="http://schemas.openxmlformats.org/officeDocument/2006/relationships" xmlns:p="http://schemas.openxmlformats.org/presentationml/2006/main" showMasterSp="0" showMasterPhAnim="0">
   <p:cSld>
     <p:spTree>
@@ -1965,7 +2327,7 @@
 </p:notes>
 </file>
 
-<file path=ppt/notesSlides/notesSlide8.xml><?xml version="1.0" encoding="utf-8"?>
+<file path=ppt/notesSlides/notesSlide9.xml><?xml version="1.0" encoding="utf-8"?>
 <p:notes xmlns:a="http://schemas.openxmlformats.org/drawingml/2006/main" xmlns:r="http://schemas.openxmlformats.org/officeDocument/2006/relationships" xmlns:p="http://schemas.openxmlformats.org/presentationml/2006/main" showMasterSp="0" showMasterPhAnim="0">
   <p:cSld>
     <p:spTree>
@@ -2222,296 +2584,6 @@
     <p:extLst>
       <p:ext uri="{BB962C8B-B14F-4D97-AF65-F5344CB8AC3E}">
         <p14:creationId xmlns:p14="http://schemas.microsoft.com/office/powerpoint/2010/main" val="4215111358"/>
-      </p:ext>
-    </p:extLst>
-  </p:cSld>
-  <p:clrMapOvr>
-    <a:masterClrMapping/>
-  </p:clrMapOvr>
-</p:notes>
-</file>
-
-<file path=ppt/notesSlides/notesSlide9.xml><?xml version="1.0" encoding="utf-8"?>
-<p:notes xmlns:a="http://schemas.openxmlformats.org/drawingml/2006/main" xmlns:r="http://schemas.openxmlformats.org/officeDocument/2006/relationships" xmlns:p="http://schemas.openxmlformats.org/presentationml/2006/main" showMasterSp="0" showMasterPhAnim="0">
-  <p:cSld>
-    <p:spTree>
-      <p:nvGrpSpPr>
-        <p:cNvPr id="1" name="Shape 97"/>
-        <p:cNvGrpSpPr/>
-        <p:nvPr/>
-      </p:nvGrpSpPr>
-      <p:grpSpPr>
-        <a:xfrm>
-          <a:off x="0" y="0"/>
-          <a:ext cx="0" cy="0"/>
-          <a:chOff x="0" y="0"/>
-          <a:chExt cx="0" cy="0"/>
-        </a:xfrm>
-      </p:grpSpPr>
-      <p:sp>
-        <p:nvSpPr>
-          <p:cNvPr id="98" name="Shape 98"/>
-          <p:cNvSpPr>
-            <a:spLocks noGrp="1" noRot="1" noChangeAspect="1"/>
-          </p:cNvSpPr>
-          <p:nvPr>
-            <p:ph type="sldImg" idx="2"/>
-          </p:nvPr>
-        </p:nvSpPr>
-        <p:spPr>
-          <a:xfrm>
-            <a:off x="381000" y="685800"/>
-            <a:ext cx="6096000" cy="3429000"/>
-          </a:xfrm>
-          <a:custGeom>
-            <a:avLst/>
-            <a:gdLst/>
-            <a:ahLst/>
-            <a:cxnLst/>
-            <a:rect l="0" t="0" r="0" b="0"/>
-            <a:pathLst>
-              <a:path w="120000" h="120000" extrusionOk="0">
-                <a:moveTo>
-                  <a:pt x="0" y="0"/>
-                </a:moveTo>
-                <a:lnTo>
-                  <a:pt x="120000" y="0"/>
-                </a:lnTo>
-                <a:lnTo>
-                  <a:pt x="120000" y="120000"/>
-                </a:lnTo>
-                <a:lnTo>
-                  <a:pt x="0" y="120000"/>
-                </a:lnTo>
-                <a:close/>
-              </a:path>
-            </a:pathLst>
-          </a:custGeom>
-        </p:spPr>
-      </p:sp>
-      <p:sp>
-        <p:nvSpPr>
-          <p:cNvPr id="99" name="Shape 99"/>
-          <p:cNvSpPr txBox="1">
-            <a:spLocks noGrp="1"/>
-          </p:cNvSpPr>
-          <p:nvPr>
-            <p:ph type="body" idx="1"/>
-          </p:nvPr>
-        </p:nvSpPr>
-        <p:spPr>
-          <a:xfrm>
-            <a:off x="685800" y="4343400"/>
-            <a:ext cx="5486400" cy="4114800"/>
-          </a:xfrm>
-          <a:prstGeom prst="rect">
-            <a:avLst/>
-          </a:prstGeom>
-        </p:spPr>
-        <p:txBody>
-          <a:bodyPr lIns="91425" tIns="91425" rIns="91425" bIns="91425" anchor="t" anchorCtr="0">
-            <a:noAutofit/>
-          </a:bodyPr>
-          <a:lstStyle/>
-          <a:p>
-            <a:pPr lvl="0">
-              <a:spcBef>
-                <a:spcPts val="0"/>
-              </a:spcBef>
-              <a:buNone/>
-            </a:pPr>
-            <a:r>
-              <a:rPr lang="ru" sz="1200">
-                <a:solidFill>
-                  <a:srgbClr val="333333"/>
-                </a:solidFill>
-                <a:highlight>
-                  <a:srgbClr val="FFFFFF"/>
-                </a:highlight>
-              </a:rPr>
-              <a:t>DOM – это представление документа в виде дерева объектов, доступное для изменения через JavaScript.</a:t>
-            </a:r>
-          </a:p>
-          <a:p>
-            <a:pPr lvl="0" rtl="0">
-              <a:lnSpc>
-                <a:spcPct val="115000"/>
-              </a:lnSpc>
-              <a:spcBef>
-                <a:spcPts val="1700"/>
-              </a:spcBef>
-              <a:spcAft>
-                <a:spcPts val="1700"/>
-              </a:spcAft>
-              <a:buClr>
-                <a:schemeClr val="dk1"/>
-              </a:buClr>
-              <a:buSzPct val="91666"/>
-              <a:buFont typeface="Arial"/>
-              <a:buNone/>
-            </a:pPr>
-            <a:r>
-              <a:rPr lang="ru" sz="1200">
-                <a:solidFill>
-                  <a:srgbClr val="333333"/>
-                </a:solidFill>
-                <a:highlight>
-                  <a:srgbClr val="FFFFFF"/>
-                </a:highlight>
-              </a:rPr>
-              <a:t>В этом дереве выделено два типа узлов.</a:t>
-            </a:r>
-          </a:p>
-          <a:p>
-            <a:pPr marL="457200" lvl="0" indent="-304800" rtl="0">
-              <a:lnSpc>
-                <a:spcPct val="115000"/>
-              </a:lnSpc>
-              <a:spcBef>
-                <a:spcPts val="2100"/>
-              </a:spcBef>
-              <a:spcAft>
-                <a:spcPts val="2100"/>
-              </a:spcAft>
-              <a:buClr>
-                <a:srgbClr val="333333"/>
-              </a:buClr>
-              <a:buSzPct val="100000"/>
-              <a:buAutoNum type="arabicPeriod"/>
-            </a:pPr>
-            <a:r>
-              <a:rPr lang="ru" sz="1200">
-                <a:solidFill>
-                  <a:srgbClr val="333333"/>
-                </a:solidFill>
-                <a:highlight>
-                  <a:srgbClr val="FFFFFF"/>
-                </a:highlight>
-              </a:rPr>
-              <a:t>Теги образуют </a:t>
-            </a:r>
-            <a:r>
-              <a:rPr lang="ru" sz="1200" i="1">
-                <a:solidFill>
-                  <a:srgbClr val="333333"/>
-                </a:solidFill>
-                <a:highlight>
-                  <a:srgbClr val="FFFFFF"/>
-                </a:highlight>
-              </a:rPr>
-              <a:t>узлы-элементы</a:t>
-            </a:r>
-            <a:r>
-              <a:rPr lang="ru" sz="1200">
-                <a:solidFill>
-                  <a:srgbClr val="333333"/>
-                </a:solidFill>
-                <a:highlight>
-                  <a:srgbClr val="FFFFFF"/>
-                </a:highlight>
-              </a:rPr>
-              <a:t> (element node). Естественным образом одни узлы вложены в другие. Структура дерева образована исключительно за счет них.</a:t>
-            </a:r>
-          </a:p>
-          <a:p>
-            <a:pPr marL="457200" lvl="0" indent="-304800" rtl="0">
-              <a:lnSpc>
-                <a:spcPct val="115000"/>
-              </a:lnSpc>
-              <a:spcBef>
-                <a:spcPts val="2100"/>
-              </a:spcBef>
-              <a:spcAft>
-                <a:spcPts val="2100"/>
-              </a:spcAft>
-              <a:buClr>
-                <a:srgbClr val="333333"/>
-              </a:buClr>
-              <a:buSzPct val="100000"/>
-              <a:buAutoNum type="arabicPeriod"/>
-            </a:pPr>
-            <a:r>
-              <a:rPr lang="ru" sz="1200">
-                <a:solidFill>
-                  <a:srgbClr val="333333"/>
-                </a:solidFill>
-                <a:highlight>
-                  <a:srgbClr val="FFFFFF"/>
-                </a:highlight>
-              </a:rPr>
-              <a:t>Текст внутри элементов образует </a:t>
-            </a:r>
-            <a:r>
-              <a:rPr lang="ru" sz="1200" i="1">
-                <a:solidFill>
-                  <a:srgbClr val="333333"/>
-                </a:solidFill>
-                <a:highlight>
-                  <a:srgbClr val="FFFFFF"/>
-                </a:highlight>
-              </a:rPr>
-              <a:t>текстовые узлы</a:t>
-            </a:r>
-            <a:r>
-              <a:rPr lang="ru" sz="1200">
-                <a:solidFill>
-                  <a:srgbClr val="333333"/>
-                </a:solidFill>
-                <a:highlight>
-                  <a:srgbClr val="FFFFFF"/>
-                </a:highlight>
-              </a:rPr>
-              <a:t> (text node), обозначенные как </a:t>
-            </a:r>
-            <a:r>
-              <a:rPr lang="ru" sz="1200">
-                <a:solidFill>
-                  <a:srgbClr val="333333"/>
-                </a:solidFill>
-                <a:highlight>
-                  <a:srgbClr val="FFFFFF"/>
-                </a:highlight>
-                <a:latin typeface="Verdana"/>
-                <a:ea typeface="Verdana"/>
-                <a:cs typeface="Verdana"/>
-                <a:sym typeface="Verdana"/>
-              </a:rPr>
-              <a:t>#text</a:t>
-            </a:r>
-            <a:r>
-              <a:rPr lang="ru" sz="1200">
-                <a:solidFill>
-                  <a:srgbClr val="333333"/>
-                </a:solidFill>
-                <a:highlight>
-                  <a:srgbClr val="FFFFFF"/>
-                </a:highlight>
-              </a:rPr>
-              <a:t>. Текстовый узел содержит исключительно строку текста и не может иметь потомков, то есть он всегда на самом нижнем уровне.</a:t>
-            </a:r>
-          </a:p>
-          <a:p>
-            <a:pPr lvl="0">
-              <a:spcBef>
-                <a:spcPts val="0"/>
-              </a:spcBef>
-              <a:buNone/>
-            </a:pPr>
-            <a:endParaRPr sz="1200">
-              <a:solidFill>
-                <a:srgbClr val="333333"/>
-              </a:solidFill>
-              <a:highlight>
-                <a:srgbClr val="FFFFFF"/>
-              </a:highlight>
-            </a:endParaRPr>
-          </a:p>
-        </p:txBody>
-      </p:sp>
-    </p:spTree>
-    <p:extLst>
-      <p:ext uri="{BB962C8B-B14F-4D97-AF65-F5344CB8AC3E}">
-        <p14:creationId xmlns:p14="http://schemas.microsoft.com/office/powerpoint/2010/main" val="3117816531"/>
       </p:ext>
     </p:extLst>
   </p:cSld>
@@ -5936,10 +6008,1032 @@
   <p:clrMapOvr>
     <a:masterClrMapping/>
   </p:clrMapOvr>
+  <p:timing>
+    <p:tnLst>
+      <p:par>
+        <p:cTn id="1" dur="indefinite" restart="never" nodeType="tmRoot"/>
+      </p:par>
+    </p:tnLst>
+  </p:timing>
 </p:sld>
 </file>
 
 <file path=ppt/slides/slide10.xml><?xml version="1.0" encoding="utf-8"?>
+<p:sld xmlns:a="http://schemas.openxmlformats.org/drawingml/2006/main" xmlns:r="http://schemas.openxmlformats.org/officeDocument/2006/relationships" xmlns:p="http://schemas.openxmlformats.org/presentationml/2006/main">
+  <p:cSld>
+    <p:spTree>
+      <p:nvGrpSpPr>
+        <p:cNvPr id="1" name=""/>
+        <p:cNvGrpSpPr/>
+        <p:nvPr/>
+      </p:nvGrpSpPr>
+      <p:grpSpPr>
+        <a:xfrm>
+          <a:off x="0" y="0"/>
+          <a:ext cx="0" cy="0"/>
+          <a:chOff x="0" y="0"/>
+          <a:chExt cx="0" cy="0"/>
+        </a:xfrm>
+      </p:grpSpPr>
+      <p:sp>
+        <p:nvSpPr>
+          <p:cNvPr id="2" name="Заголовок 1"/>
+          <p:cNvSpPr>
+            <a:spLocks noGrp="1"/>
+          </p:cNvSpPr>
+          <p:nvPr>
+            <p:ph type="title"/>
+          </p:nvPr>
+        </p:nvSpPr>
+        <p:spPr/>
+        <p:txBody>
+          <a:bodyPr/>
+          <a:lstStyle/>
+          <a:p>
+            <a:r>
+              <a:rPr lang="ru-RU" dirty="0" smtClean="0"/>
+              <a:t>Расчет выгоды от автоматического тестирования</a:t>
+            </a:r>
+            <a:endParaRPr lang="en-US" dirty="0"/>
+          </a:p>
+        </p:txBody>
+      </p:sp>
+      <mc:AlternateContent xmlns:mc="http://schemas.openxmlformats.org/markup-compatibility/2006">
+        <mc:Choice xmlns:a14="http://schemas.microsoft.com/office/drawing/2010/main" Requires="a14">
+          <p:sp>
+            <p:nvSpPr>
+              <p:cNvPr id="3" name="Текст 2"/>
+              <p:cNvSpPr>
+                <a:spLocks noGrp="1"/>
+              </p:cNvSpPr>
+              <p:nvPr>
+                <p:ph type="body" idx="1"/>
+              </p:nvPr>
+            </p:nvSpPr>
+            <p:spPr>
+              <a:xfrm>
+                <a:off x="311700" y="2043964"/>
+                <a:ext cx="8520600" cy="1080086"/>
+              </a:xfrm>
+            </p:spPr>
+            <p:txBody>
+              <a:bodyPr/>
+              <a:lstStyle/>
+              <a:p>
+                <a14:m>
+                  <m:oMathPara xmlns:m="http://schemas.openxmlformats.org/officeDocument/2006/math">
+                    <m:oMathParaPr>
+                      <m:jc m:val="centerGroup"/>
+                    </m:oMathParaPr>
+                    <m:oMath xmlns:m="http://schemas.openxmlformats.org/officeDocument/2006/math">
+                      <m:r>
+                        <a:rPr lang="en-US" sz="4800" b="0" i="1" smtClean="0">
+                          <a:latin typeface="Cambria Math" panose="02040503050406030204" pitchFamily="18" charset="0"/>
+                        </a:rPr>
+                        <m:t>𝐾</m:t>
+                      </m:r>
+                      <m:r>
+                        <a:rPr lang="en-US" sz="4800" b="0" i="1" smtClean="0">
+                          <a:latin typeface="Cambria Math" panose="02040503050406030204" pitchFamily="18" charset="0"/>
+                        </a:rPr>
+                        <m:t>=</m:t>
+                      </m:r>
+                      <m:r>
+                        <a:rPr lang="en-US" sz="4800" b="0" i="1" smtClean="0">
+                          <a:latin typeface="Cambria Math" panose="02040503050406030204" pitchFamily="18" charset="0"/>
+                        </a:rPr>
+                        <m:t>𝑁𝑇𝑃</m:t>
+                      </m:r>
+                      <m:r>
+                        <a:rPr lang="en-US" sz="4800" b="0" i="1" smtClean="0">
+                          <a:latin typeface="Cambria Math" panose="02040503050406030204" pitchFamily="18" charset="0"/>
+                        </a:rPr>
+                        <m:t>/(</m:t>
+                      </m:r>
+                      <m:r>
+                        <a:rPr lang="en-US" sz="4800" b="0" i="1" smtClean="0">
+                          <a:latin typeface="Cambria Math" panose="02040503050406030204" pitchFamily="18" charset="0"/>
+                        </a:rPr>
+                        <m:t>𝐿</m:t>
+                      </m:r>
+                      <m:r>
+                        <a:rPr lang="en-US" sz="4800" b="0" i="1" smtClean="0">
+                          <a:latin typeface="Cambria Math" panose="02040503050406030204" pitchFamily="18" charset="0"/>
+                        </a:rPr>
+                        <m:t>+</m:t>
+                      </m:r>
+                      <m:r>
+                        <a:rPr lang="en-US" sz="4800" b="0" i="1" smtClean="0">
+                          <a:latin typeface="Cambria Math" panose="02040503050406030204" pitchFamily="18" charset="0"/>
+                        </a:rPr>
+                        <m:t>𝑇𝑎</m:t>
+                      </m:r>
+                      <m:r>
+                        <a:rPr lang="en-US" sz="4800" b="0" i="1" smtClean="0">
+                          <a:latin typeface="Cambria Math" panose="02040503050406030204" pitchFamily="18" charset="0"/>
+                        </a:rPr>
+                        <m:t>+</m:t>
+                      </m:r>
+                      <m:r>
+                        <a:rPr lang="en-US" sz="4800" b="0" i="1" smtClean="0">
+                          <a:latin typeface="Cambria Math" panose="02040503050406030204" pitchFamily="18" charset="0"/>
+                        </a:rPr>
+                        <m:t>𝑃𝑎</m:t>
+                      </m:r>
+                      <m:r>
+                        <a:rPr lang="en-US" sz="4800" b="0" i="1" smtClean="0">
+                          <a:latin typeface="Cambria Math" panose="02040503050406030204" pitchFamily="18" charset="0"/>
+                        </a:rPr>
+                        <m:t>)</m:t>
+                      </m:r>
+                    </m:oMath>
+                  </m:oMathPara>
+                </a14:m>
+                <a:endParaRPr lang="en-US" sz="4800" dirty="0"/>
+              </a:p>
+            </p:txBody>
+          </p:sp>
+        </mc:Choice>
+        <mc:Fallback>
+          <p:sp>
+            <p:nvSpPr>
+              <p:cNvPr id="3" name="Текст 2"/>
+              <p:cNvSpPr>
+                <a:spLocks noGrp="1" noRot="1" noChangeAspect="1" noMove="1" noResize="1" noEditPoints="1" noAdjustHandles="1" noChangeArrowheads="1" noChangeShapeType="1" noTextEdit="1"/>
+              </p:cNvSpPr>
+              <p:nvPr>
+                <p:ph type="body" idx="1"/>
+              </p:nvPr>
+            </p:nvSpPr>
+            <p:spPr>
+              <a:xfrm>
+                <a:off x="311700" y="2043964"/>
+                <a:ext cx="8520600" cy="1080086"/>
+              </a:xfrm>
+              <a:blipFill>
+                <a:blip r:embed="rId3"/>
+                <a:stretch>
+                  <a:fillRect/>
+                </a:stretch>
+              </a:blipFill>
+            </p:spPr>
+            <p:txBody>
+              <a:bodyPr/>
+              <a:lstStyle/>
+              <a:p>
+                <a:r>
+                  <a:rPr lang="en-US">
+                    <a:noFill/>
+                  </a:rPr>
+                  <a:t> </a:t>
+                </a:r>
+              </a:p>
+            </p:txBody>
+          </p:sp>
+        </mc:Fallback>
+      </mc:AlternateContent>
+      <p:sp>
+        <p:nvSpPr>
+          <p:cNvPr id="4" name="TextBox 3"/>
+          <p:cNvSpPr txBox="1"/>
+          <p:nvPr/>
+        </p:nvSpPr>
+        <p:spPr>
+          <a:xfrm>
+            <a:off x="1258784" y="3124050"/>
+            <a:ext cx="7422225" cy="2031325"/>
+          </a:xfrm>
+          <a:prstGeom prst="rect">
+            <a:avLst/>
+          </a:prstGeom>
+          <a:noFill/>
+        </p:spPr>
+        <p:txBody>
+          <a:bodyPr wrap="none" rtlCol="0">
+            <a:spAutoFit/>
+          </a:bodyPr>
+          <a:lstStyle/>
+          <a:p>
+            <a:r>
+              <a:rPr lang="ru-RU" dirty="0" smtClean="0"/>
+              <a:t>К</a:t>
+            </a:r>
+            <a:r>
+              <a:rPr lang="en-US" dirty="0" smtClean="0"/>
+              <a:t> </a:t>
+            </a:r>
+            <a:r>
+              <a:rPr lang="ru-RU" dirty="0" smtClean="0"/>
+              <a:t>- коэффициент выгоды</a:t>
+            </a:r>
+          </a:p>
+          <a:p>
+            <a:r>
+              <a:rPr lang="en-US" dirty="0" smtClean="0"/>
+              <a:t>N – </a:t>
+            </a:r>
+            <a:r>
+              <a:rPr lang="ru-RU" dirty="0" smtClean="0"/>
+              <a:t>количество версий, на которой будет прогон одного экземпляра тестов</a:t>
+            </a:r>
+          </a:p>
+          <a:p>
+            <a:r>
+              <a:rPr lang="en-US" dirty="0" smtClean="0"/>
+              <a:t>T- </a:t>
+            </a:r>
+            <a:r>
+              <a:rPr lang="ru-RU" dirty="0" smtClean="0"/>
+              <a:t>время, которое затрачено на  прогон тестов в ручном режиме</a:t>
+            </a:r>
+          </a:p>
+          <a:p>
+            <a:r>
+              <a:rPr lang="en-US" dirty="0" smtClean="0"/>
+              <a:t>P- </a:t>
+            </a:r>
+            <a:r>
+              <a:rPr lang="ru-RU" dirty="0" smtClean="0"/>
+              <a:t>зарплата инженера по тестированию</a:t>
+            </a:r>
+          </a:p>
+          <a:p>
+            <a:endParaRPr lang="ru-RU" dirty="0"/>
+          </a:p>
+          <a:p>
+            <a:r>
+              <a:rPr lang="en-US" dirty="0" smtClean="0"/>
+              <a:t>L- </a:t>
+            </a:r>
+            <a:r>
+              <a:rPr lang="ru-RU" dirty="0" smtClean="0"/>
+              <a:t>цена инструмента</a:t>
+            </a:r>
+          </a:p>
+          <a:p>
+            <a:r>
+              <a:rPr lang="en-US" dirty="0" smtClean="0"/>
+              <a:t>Ta – </a:t>
+            </a:r>
+            <a:r>
+              <a:rPr lang="ru-RU" dirty="0" smtClean="0"/>
+              <a:t>время, затрачиваемое на разработку, поддержку и прогон автоматического теста</a:t>
+            </a:r>
+          </a:p>
+          <a:p>
+            <a:r>
+              <a:rPr lang="en-US" dirty="0" smtClean="0"/>
+              <a:t>Pa- </a:t>
+            </a:r>
+            <a:r>
+              <a:rPr lang="ru-RU" dirty="0" smtClean="0"/>
+              <a:t>зарплата инженера по разработке автоматического теста</a:t>
+            </a:r>
+          </a:p>
+          <a:p>
+            <a:endParaRPr lang="en-US" dirty="0"/>
+          </a:p>
+        </p:txBody>
+      </p:sp>
+    </p:spTree>
+    <p:extLst>
+      <p:ext uri="{BB962C8B-B14F-4D97-AF65-F5344CB8AC3E}">
+        <p14:creationId xmlns:p14="http://schemas.microsoft.com/office/powerpoint/2010/main" val="4111546627"/>
+      </p:ext>
+    </p:extLst>
+  </p:cSld>
+  <p:clrMapOvr>
+    <a:masterClrMapping/>
+  </p:clrMapOvr>
+</p:sld>
+</file>
+
+<file path=ppt/slides/slide11.xml><?xml version="1.0" encoding="utf-8"?>
+<p:sld xmlns:a="http://schemas.openxmlformats.org/drawingml/2006/main" xmlns:r="http://schemas.openxmlformats.org/officeDocument/2006/relationships" xmlns:p="http://schemas.openxmlformats.org/presentationml/2006/main">
+  <p:cSld>
+    <p:spTree>
+      <p:nvGrpSpPr>
+        <p:cNvPr id="1" name=""/>
+        <p:cNvGrpSpPr/>
+        <p:nvPr/>
+      </p:nvGrpSpPr>
+      <p:grpSpPr>
+        <a:xfrm>
+          <a:off x="0" y="0"/>
+          <a:ext cx="0" cy="0"/>
+          <a:chOff x="0" y="0"/>
+          <a:chExt cx="0" cy="0"/>
+        </a:xfrm>
+      </p:grpSpPr>
+      <p:sp>
+        <p:nvSpPr>
+          <p:cNvPr id="2" name="Заголовок 1"/>
+          <p:cNvSpPr>
+            <a:spLocks noGrp="1"/>
+          </p:cNvSpPr>
+          <p:nvPr>
+            <p:ph type="title"/>
+          </p:nvPr>
+        </p:nvSpPr>
+        <p:spPr/>
+        <p:txBody>
+          <a:bodyPr/>
+          <a:lstStyle/>
+          <a:p>
+            <a:r>
+              <a:rPr lang="ru-RU" dirty="0" smtClean="0"/>
+              <a:t>Эффективность автоматизации</a:t>
+            </a:r>
+            <a:endParaRPr lang="en-US" dirty="0"/>
+          </a:p>
+        </p:txBody>
+      </p:sp>
+      <p:sp>
+        <p:nvSpPr>
+          <p:cNvPr id="3" name="Текст 2"/>
+          <p:cNvSpPr>
+            <a:spLocks noGrp="1"/>
+          </p:cNvSpPr>
+          <p:nvPr>
+            <p:ph type="body" idx="1"/>
+          </p:nvPr>
+        </p:nvSpPr>
+        <p:spPr/>
+        <p:txBody>
+          <a:bodyPr/>
+          <a:lstStyle/>
+          <a:p>
+            <a:r>
+              <a:rPr lang="en-US" dirty="0" smtClean="0"/>
+              <a:t>(</a:t>
+            </a:r>
+            <a:r>
+              <a:rPr lang="ru-RU" b="1" dirty="0" smtClean="0"/>
+              <a:t>Время на создание автоматического теста</a:t>
+            </a:r>
+            <a:r>
+              <a:rPr lang="ru-RU" dirty="0" smtClean="0"/>
+              <a:t>+ </a:t>
+            </a:r>
+            <a:r>
+              <a:rPr lang="ru-RU" b="1" dirty="0" smtClean="0"/>
+              <a:t>среднее время на анализ падения автоматического теста</a:t>
+            </a:r>
+            <a:r>
+              <a:rPr lang="ru-RU" dirty="0" smtClean="0"/>
+              <a:t> + </a:t>
+            </a:r>
+            <a:r>
+              <a:rPr lang="ru-RU" b="1" dirty="0" smtClean="0"/>
+              <a:t>среднее время на обновление автоматического теста</a:t>
+            </a:r>
+            <a:r>
+              <a:rPr lang="en-US" dirty="0" smtClean="0"/>
+              <a:t>)</a:t>
+            </a:r>
+            <a:r>
+              <a:rPr lang="ru-RU" dirty="0" smtClean="0"/>
+              <a:t> </a:t>
+            </a:r>
+            <a:r>
+              <a:rPr lang="en-US" dirty="0" smtClean="0"/>
+              <a:t>&lt; (</a:t>
+            </a:r>
+            <a:r>
+              <a:rPr lang="ru-RU" dirty="0" smtClean="0"/>
+              <a:t>Среднее время ручного прогона</a:t>
+            </a:r>
+            <a:r>
+              <a:rPr lang="en-US" dirty="0" smtClean="0"/>
+              <a:t> + </a:t>
+            </a:r>
+            <a:r>
+              <a:rPr lang="ru-RU" dirty="0" smtClean="0"/>
+              <a:t>Среднее время поддержки тест-кейса </a:t>
+            </a:r>
+            <a:r>
+              <a:rPr lang="en-US" dirty="0" smtClean="0"/>
+              <a:t>* </a:t>
+            </a:r>
+            <a:r>
+              <a:rPr lang="ru-RU" dirty="0" smtClean="0"/>
+              <a:t>Количество прогонов в одной итерации</a:t>
+            </a:r>
+            <a:r>
+              <a:rPr lang="en-US" dirty="0" smtClean="0"/>
+              <a:t>)</a:t>
+            </a:r>
+            <a:r>
+              <a:rPr lang="ru-RU" dirty="0" smtClean="0"/>
+              <a:t> + Среднее время создания тест-кейса</a:t>
+            </a:r>
+            <a:endParaRPr lang="en-US" dirty="0"/>
+          </a:p>
+        </p:txBody>
+      </p:sp>
+    </p:spTree>
+    <p:extLst>
+      <p:ext uri="{BB962C8B-B14F-4D97-AF65-F5344CB8AC3E}">
+        <p14:creationId xmlns:p14="http://schemas.microsoft.com/office/powerpoint/2010/main" val="3194135781"/>
+      </p:ext>
+    </p:extLst>
+  </p:cSld>
+  <p:clrMapOvr>
+    <a:masterClrMapping/>
+  </p:clrMapOvr>
+</p:sld>
+</file>
+
+<file path=ppt/slides/slide12.xml><?xml version="1.0" encoding="utf-8"?>
+<p:sld xmlns:a="http://schemas.openxmlformats.org/drawingml/2006/main" xmlns:r="http://schemas.openxmlformats.org/officeDocument/2006/relationships" xmlns:p="http://schemas.openxmlformats.org/presentationml/2006/main">
+  <p:cSld>
+    <p:spTree>
+      <p:nvGrpSpPr>
+        <p:cNvPr id="1" name=""/>
+        <p:cNvGrpSpPr/>
+        <p:nvPr/>
+      </p:nvGrpSpPr>
+      <p:grpSpPr>
+        <a:xfrm>
+          <a:off x="0" y="0"/>
+          <a:ext cx="0" cy="0"/>
+          <a:chOff x="0" y="0"/>
+          <a:chExt cx="0" cy="0"/>
+        </a:xfrm>
+      </p:grpSpPr>
+      <p:sp>
+        <p:nvSpPr>
+          <p:cNvPr id="2" name="Заголовок 1"/>
+          <p:cNvSpPr>
+            <a:spLocks noGrp="1"/>
+          </p:cNvSpPr>
+          <p:nvPr>
+            <p:ph type="title"/>
+          </p:nvPr>
+        </p:nvSpPr>
+        <p:spPr/>
+        <p:txBody>
+          <a:bodyPr/>
+          <a:lstStyle/>
+          <a:p>
+            <a:r>
+              <a:rPr lang="en-US" dirty="0" smtClean="0"/>
+              <a:t>ROI</a:t>
+            </a:r>
+            <a:endParaRPr lang="en-US" dirty="0"/>
+          </a:p>
+        </p:txBody>
+      </p:sp>
+      <p:sp>
+        <p:nvSpPr>
+          <p:cNvPr id="3" name="Текст 2"/>
+          <p:cNvSpPr>
+            <a:spLocks noGrp="1"/>
+          </p:cNvSpPr>
+          <p:nvPr>
+            <p:ph type="body" idx="1"/>
+          </p:nvPr>
+        </p:nvSpPr>
+        <p:spPr/>
+        <p:txBody>
+          <a:bodyPr/>
+          <a:lstStyle/>
+          <a:p>
+            <a:r>
+              <a:rPr lang="en-US" sz="3200" dirty="0" smtClean="0"/>
+              <a:t>ROI = (</a:t>
+            </a:r>
+            <a:r>
+              <a:rPr lang="ru-RU" sz="3200" dirty="0" smtClean="0"/>
+              <a:t>Затраты на ручное тестирование – затраты на автоматическое тестирование</a:t>
+            </a:r>
+            <a:r>
+              <a:rPr lang="en-US" sz="3200" dirty="0" smtClean="0"/>
+              <a:t>)</a:t>
+            </a:r>
+            <a:r>
+              <a:rPr lang="ru-RU" sz="3200" dirty="0" smtClean="0"/>
+              <a:t> /автоматическое тестирование  (%)</a:t>
+            </a:r>
+            <a:endParaRPr lang="en-US" sz="3200" dirty="0"/>
+          </a:p>
+        </p:txBody>
+      </p:sp>
+    </p:spTree>
+    <p:extLst>
+      <p:ext uri="{BB962C8B-B14F-4D97-AF65-F5344CB8AC3E}">
+        <p14:creationId xmlns:p14="http://schemas.microsoft.com/office/powerpoint/2010/main" val="1328856962"/>
+      </p:ext>
+    </p:extLst>
+  </p:cSld>
+  <p:clrMapOvr>
+    <a:masterClrMapping/>
+  </p:clrMapOvr>
+</p:sld>
+</file>
+
+<file path=ppt/slides/slide13.xml><?xml version="1.0" encoding="utf-8"?>
+<p:sld xmlns:a="http://schemas.openxmlformats.org/drawingml/2006/main" xmlns:r="http://schemas.openxmlformats.org/officeDocument/2006/relationships" xmlns:p="http://schemas.openxmlformats.org/presentationml/2006/main">
+  <p:cSld>
+    <p:spTree>
+      <p:nvGrpSpPr>
+        <p:cNvPr id="1" name="Shape 89"/>
+        <p:cNvGrpSpPr/>
+        <p:nvPr/>
+      </p:nvGrpSpPr>
+      <p:grpSpPr>
+        <a:xfrm>
+          <a:off x="0" y="0"/>
+          <a:ext cx="0" cy="0"/>
+          <a:chOff x="0" y="0"/>
+          <a:chExt cx="0" cy="0"/>
+        </a:xfrm>
+      </p:grpSpPr>
+      <p:sp>
+        <p:nvSpPr>
+          <p:cNvPr id="90" name="Shape 90"/>
+          <p:cNvSpPr txBox="1">
+            <a:spLocks noGrp="1"/>
+          </p:cNvSpPr>
+          <p:nvPr>
+            <p:ph type="title"/>
+          </p:nvPr>
+        </p:nvSpPr>
+        <p:spPr>
+          <a:xfrm>
+            <a:off x="311700" y="2150850"/>
+            <a:ext cx="8520600" cy="841800"/>
+          </a:xfrm>
+          <a:prstGeom prst="rect">
+            <a:avLst/>
+          </a:prstGeom>
+        </p:spPr>
+        <p:txBody>
+          <a:bodyPr lIns="91425" tIns="91425" rIns="91425" bIns="91425" anchor="ctr" anchorCtr="0">
+            <a:noAutofit/>
+          </a:bodyPr>
+          <a:lstStyle/>
+          <a:p>
+            <a:pPr lvl="0">
+              <a:spcBef>
+                <a:spcPts val="0"/>
+              </a:spcBef>
+              <a:buNone/>
+            </a:pPr>
+            <a:r>
+              <a:rPr lang="ru"/>
+              <a:t>Selenium</a:t>
+            </a:r>
+          </a:p>
+        </p:txBody>
+      </p:sp>
+    </p:spTree>
+  </p:cSld>
+  <p:clrMapOvr>
+    <a:masterClrMapping/>
+  </p:clrMapOvr>
+</p:sld>
+</file>
+
+<file path=ppt/slides/slide14.xml><?xml version="1.0" encoding="utf-8"?>
+<p:sld xmlns:a="http://schemas.openxmlformats.org/drawingml/2006/main" xmlns:r="http://schemas.openxmlformats.org/officeDocument/2006/relationships" xmlns:p="http://schemas.openxmlformats.org/presentationml/2006/main">
+  <p:cSld>
+    <p:spTree>
+      <p:nvGrpSpPr>
+        <p:cNvPr id="1" name="Shape 94"/>
+        <p:cNvGrpSpPr/>
+        <p:nvPr/>
+      </p:nvGrpSpPr>
+      <p:grpSpPr>
+        <a:xfrm>
+          <a:off x="0" y="0"/>
+          <a:ext cx="0" cy="0"/>
+          <a:chOff x="0" y="0"/>
+          <a:chExt cx="0" cy="0"/>
+        </a:xfrm>
+      </p:grpSpPr>
+      <p:sp>
+        <p:nvSpPr>
+          <p:cNvPr id="95" name="Shape 95"/>
+          <p:cNvSpPr txBox="1">
+            <a:spLocks noGrp="1"/>
+          </p:cNvSpPr>
+          <p:nvPr>
+            <p:ph type="title"/>
+          </p:nvPr>
+        </p:nvSpPr>
+        <p:spPr>
+          <a:xfrm>
+            <a:off x="0" y="0"/>
+            <a:ext cx="8520600" cy="572700"/>
+          </a:xfrm>
+          <a:prstGeom prst="rect">
+            <a:avLst/>
+          </a:prstGeom>
+        </p:spPr>
+        <p:txBody>
+          <a:bodyPr lIns="91425" tIns="91425" rIns="91425" bIns="91425" anchor="t" anchorCtr="0">
+            <a:noAutofit/>
+          </a:bodyPr>
+          <a:lstStyle/>
+          <a:p>
+            <a:pPr lvl="0">
+              <a:spcBef>
+                <a:spcPts val="0"/>
+              </a:spcBef>
+              <a:buNone/>
+            </a:pPr>
+            <a:r>
+              <a:rPr lang="ru" dirty="0" smtClean="0"/>
+              <a:t>Проблемы тестирования </a:t>
+            </a:r>
+            <a:r>
+              <a:rPr lang="en-US" dirty="0" smtClean="0"/>
+              <a:t>GUI</a:t>
+            </a:r>
+            <a:endParaRPr lang="ru" dirty="0"/>
+          </a:p>
+        </p:txBody>
+      </p:sp>
+      <p:sp>
+        <p:nvSpPr>
+          <p:cNvPr id="96" name="Shape 96"/>
+          <p:cNvSpPr txBox="1">
+            <a:spLocks noGrp="1"/>
+          </p:cNvSpPr>
+          <p:nvPr>
+            <p:ph type="body" idx="1"/>
+          </p:nvPr>
+        </p:nvSpPr>
+        <p:spPr>
+          <a:xfrm>
+            <a:off x="206192" y="882844"/>
+            <a:ext cx="8520600" cy="3416400"/>
+          </a:xfrm>
+          <a:prstGeom prst="rect">
+            <a:avLst/>
+          </a:prstGeom>
+        </p:spPr>
+        <p:txBody>
+          <a:bodyPr lIns="91425" tIns="91425" rIns="91425" bIns="91425" anchor="t" anchorCtr="0">
+            <a:noAutofit/>
+          </a:bodyPr>
+          <a:lstStyle/>
+          <a:p>
+            <a:pPr marL="698500" lvl="0" indent="-304800" rtl="0">
+              <a:lnSpc>
+                <a:spcPct val="160000"/>
+              </a:lnSpc>
+              <a:spcBef>
+                <a:spcPts val="0"/>
+              </a:spcBef>
+              <a:spcAft>
+                <a:spcPts val="800"/>
+              </a:spcAft>
+              <a:buClr>
+                <a:srgbClr val="333333"/>
+              </a:buClr>
+              <a:buSzPct val="100000"/>
+              <a:buAutoNum type="arabicPeriod"/>
+            </a:pPr>
+            <a:r>
+              <a:rPr lang="ru" sz="2800" b="1" dirty="0">
+                <a:solidFill>
+                  <a:srgbClr val="333333"/>
+                </a:solidFill>
+                <a:highlight>
+                  <a:srgbClr val="FFFFFF"/>
+                </a:highlight>
+              </a:rPr>
+              <a:t>Хрупкость </a:t>
+            </a:r>
+            <a:endParaRPr lang="ru" sz="2800" b="1" dirty="0" smtClean="0">
+              <a:solidFill>
+                <a:srgbClr val="333333"/>
+              </a:solidFill>
+              <a:highlight>
+                <a:srgbClr val="FFFFFF"/>
+              </a:highlight>
+            </a:endParaRPr>
+          </a:p>
+          <a:p>
+            <a:pPr marL="698500" lvl="0" indent="-304800" rtl="0">
+              <a:lnSpc>
+                <a:spcPct val="160000"/>
+              </a:lnSpc>
+              <a:spcBef>
+                <a:spcPts val="0"/>
+              </a:spcBef>
+              <a:spcAft>
+                <a:spcPts val="800"/>
+              </a:spcAft>
+              <a:buClr>
+                <a:srgbClr val="333333"/>
+              </a:buClr>
+              <a:buSzPct val="100000"/>
+              <a:buAutoNum type="arabicPeriod"/>
+            </a:pPr>
+            <a:r>
+              <a:rPr lang="ru" sz="2800" b="1" dirty="0" smtClean="0">
+                <a:solidFill>
+                  <a:srgbClr val="333333"/>
+                </a:solidFill>
+                <a:highlight>
+                  <a:srgbClr val="FFFFFF"/>
+                </a:highlight>
+              </a:rPr>
+              <a:t>Ограниченное </a:t>
+            </a:r>
+            <a:r>
+              <a:rPr lang="ru" sz="2800" b="1" dirty="0">
+                <a:solidFill>
+                  <a:srgbClr val="333333"/>
+                </a:solidFill>
+                <a:highlight>
+                  <a:srgbClr val="FFFFFF"/>
+                </a:highlight>
+              </a:rPr>
+              <a:t>тестирование </a:t>
+            </a:r>
+            <a:endParaRPr lang="ru" sz="2800" b="1" dirty="0" smtClean="0">
+              <a:solidFill>
+                <a:srgbClr val="333333"/>
+              </a:solidFill>
+              <a:highlight>
+                <a:srgbClr val="FFFFFF"/>
+              </a:highlight>
+            </a:endParaRPr>
+          </a:p>
+          <a:p>
+            <a:pPr marL="698500" lvl="0" indent="-304800" rtl="0">
+              <a:lnSpc>
+                <a:spcPct val="160000"/>
+              </a:lnSpc>
+              <a:spcBef>
+                <a:spcPts val="0"/>
+              </a:spcBef>
+              <a:spcAft>
+                <a:spcPts val="800"/>
+              </a:spcAft>
+              <a:buClr>
+                <a:srgbClr val="333333"/>
+              </a:buClr>
+              <a:buSzPct val="100000"/>
+              <a:buAutoNum type="arabicPeriod"/>
+            </a:pPr>
+            <a:r>
+              <a:rPr lang="ru" sz="2800" b="1" dirty="0" smtClean="0">
+                <a:solidFill>
+                  <a:srgbClr val="333333"/>
+                </a:solidFill>
+                <a:highlight>
+                  <a:srgbClr val="FFFFFF"/>
+                </a:highlight>
+              </a:rPr>
+              <a:t>Низкая скорость</a:t>
+            </a:r>
+            <a:r>
+              <a:rPr lang="ru" sz="2800" dirty="0" smtClean="0">
+                <a:solidFill>
+                  <a:srgbClr val="333333"/>
+                </a:solidFill>
+                <a:highlight>
+                  <a:srgbClr val="FFFFFF"/>
+                </a:highlight>
+              </a:rPr>
+              <a:t>.</a:t>
+            </a:r>
+            <a:endParaRPr lang="ru" sz="2800" dirty="0">
+              <a:solidFill>
+                <a:srgbClr val="333333"/>
+              </a:solidFill>
+              <a:highlight>
+                <a:srgbClr val="FFFFFF"/>
+              </a:highlight>
+            </a:endParaRPr>
+          </a:p>
+          <a:p>
+            <a:pPr marL="698500" lvl="0" indent="-304800" rtl="0">
+              <a:lnSpc>
+                <a:spcPct val="160000"/>
+              </a:lnSpc>
+              <a:spcBef>
+                <a:spcPts val="0"/>
+              </a:spcBef>
+              <a:spcAft>
+                <a:spcPts val="800"/>
+              </a:spcAft>
+              <a:buClr>
+                <a:srgbClr val="333333"/>
+              </a:buClr>
+              <a:buSzPct val="100000"/>
+              <a:buAutoNum type="arabicPeriod"/>
+            </a:pPr>
+            <a:r>
+              <a:rPr lang="ru" sz="2800" b="1" dirty="0">
+                <a:solidFill>
+                  <a:srgbClr val="333333"/>
+                </a:solidFill>
+                <a:highlight>
+                  <a:srgbClr val="FFFFFF"/>
+                </a:highlight>
+              </a:rPr>
+              <a:t>Наименьшая </a:t>
+            </a:r>
+            <a:r>
+              <a:rPr lang="ru" sz="2800" b="1" dirty="0" smtClean="0">
+                <a:solidFill>
+                  <a:srgbClr val="333333"/>
+                </a:solidFill>
+                <a:highlight>
+                  <a:srgbClr val="FFFFFF"/>
+                </a:highlight>
+              </a:rPr>
+              <a:t>окупаемость</a:t>
+            </a:r>
+            <a:r>
+              <a:rPr lang="ru" sz="2800" dirty="0" smtClean="0">
+                <a:solidFill>
+                  <a:srgbClr val="333333"/>
+                </a:solidFill>
+                <a:highlight>
+                  <a:srgbClr val="FFFFFF"/>
+                </a:highlight>
+              </a:rPr>
+              <a:t>.</a:t>
+            </a:r>
+            <a:endParaRPr lang="ru" sz="2800" dirty="0">
+              <a:solidFill>
+                <a:srgbClr val="333333"/>
+              </a:solidFill>
+              <a:highlight>
+                <a:srgbClr val="FFFFFF"/>
+              </a:highlight>
+            </a:endParaRPr>
+          </a:p>
+          <a:p>
+            <a:pPr lvl="0">
+              <a:spcBef>
+                <a:spcPts val="0"/>
+              </a:spcBef>
+              <a:buNone/>
+            </a:pPr>
+            <a:endParaRPr dirty="0"/>
+          </a:p>
+        </p:txBody>
+      </p:sp>
+    </p:spTree>
+  </p:cSld>
+  <p:clrMapOvr>
+    <a:masterClrMapping/>
+  </p:clrMapOvr>
+</p:sld>
+</file>
+
+<file path=ppt/slides/slide15.xml><?xml version="1.0" encoding="utf-8"?>
+<p:sld xmlns:a="http://schemas.openxmlformats.org/drawingml/2006/main" xmlns:r="http://schemas.openxmlformats.org/officeDocument/2006/relationships" xmlns:p="http://schemas.openxmlformats.org/presentationml/2006/main">
+  <p:cSld>
+    <p:spTree>
+      <p:nvGrpSpPr>
+        <p:cNvPr id="1" name="Shape 100"/>
+        <p:cNvGrpSpPr/>
+        <p:nvPr/>
+      </p:nvGrpSpPr>
+      <p:grpSpPr>
+        <a:xfrm>
+          <a:off x="0" y="0"/>
+          <a:ext cx="0" cy="0"/>
+          <a:chOff x="0" y="0"/>
+          <a:chExt cx="0" cy="0"/>
+        </a:xfrm>
+      </p:grpSpPr>
+      <p:sp>
+        <p:nvSpPr>
+          <p:cNvPr id="101" name="Shape 101"/>
+          <p:cNvSpPr txBox="1">
+            <a:spLocks noGrp="1"/>
+          </p:cNvSpPr>
+          <p:nvPr>
+            <p:ph type="title"/>
+          </p:nvPr>
+        </p:nvSpPr>
+        <p:spPr>
+          <a:xfrm>
+            <a:off x="76100" y="0"/>
+            <a:ext cx="8520600" cy="572700"/>
+          </a:xfrm>
+          <a:prstGeom prst="rect">
+            <a:avLst/>
+          </a:prstGeom>
+        </p:spPr>
+        <p:txBody>
+          <a:bodyPr lIns="91425" tIns="91425" rIns="91425" bIns="91425" anchor="t" anchorCtr="0">
+            <a:noAutofit/>
+          </a:bodyPr>
+          <a:lstStyle/>
+          <a:p>
+            <a:pPr lvl="0">
+              <a:spcBef>
+                <a:spcPts val="0"/>
+              </a:spcBef>
+              <a:buNone/>
+            </a:pPr>
+            <a:r>
+              <a:rPr lang="ru" dirty="0"/>
+              <a:t>Дерево DOM</a:t>
+            </a:r>
+          </a:p>
+        </p:txBody>
+      </p:sp>
+      <p:sp>
+        <p:nvSpPr>
+          <p:cNvPr id="102" name="Shape 102"/>
+          <p:cNvSpPr txBox="1">
+            <a:spLocks noGrp="1"/>
+          </p:cNvSpPr>
+          <p:nvPr>
+            <p:ph type="body" idx="1"/>
+          </p:nvPr>
+        </p:nvSpPr>
+        <p:spPr>
+          <a:xfrm>
+            <a:off x="76100" y="1535300"/>
+            <a:ext cx="8520600" cy="1065900"/>
+          </a:xfrm>
+          <a:prstGeom prst="rect">
+            <a:avLst/>
+          </a:prstGeom>
+        </p:spPr>
+        <p:txBody>
+          <a:bodyPr lIns="91425" tIns="91425" rIns="91425" bIns="91425" anchor="t" anchorCtr="0">
+            <a:noAutofit/>
+          </a:bodyPr>
+          <a:lstStyle/>
+          <a:p>
+            <a:pPr lvl="0" rtl="0">
+              <a:lnSpc>
+                <a:spcPct val="149217"/>
+              </a:lnSpc>
+              <a:spcBef>
+                <a:spcPts val="1100"/>
+              </a:spcBef>
+              <a:spcAft>
+                <a:spcPts val="0"/>
+              </a:spcAft>
+              <a:buClr>
+                <a:schemeClr val="dk1"/>
+              </a:buClr>
+              <a:buSzPct val="45833"/>
+              <a:buFont typeface="Arial"/>
+              <a:buNone/>
+            </a:pPr>
+            <a:r>
+              <a:rPr lang="ru" sz="2400" b="1" dirty="0">
+                <a:solidFill>
+                  <a:srgbClr val="333333"/>
+                </a:solidFill>
+                <a:highlight>
+                  <a:srgbClr val="FFFFFF"/>
+                </a:highlight>
+              </a:rPr>
+              <a:t>DOM (Document Object Model) </a:t>
+            </a:r>
+            <a:r>
+              <a:rPr lang="ru" sz="2400" dirty="0">
+                <a:solidFill>
+                  <a:srgbClr val="333333"/>
+                </a:solidFill>
+                <a:highlight>
+                  <a:srgbClr val="FFFFFF"/>
+                </a:highlight>
+              </a:rPr>
+              <a:t>- основной инструмент работы и динамических изменений на странице, используемый для XML/HTML-документов.</a:t>
+            </a:r>
+          </a:p>
+          <a:p>
+            <a:pPr lvl="0">
+              <a:spcBef>
+                <a:spcPts val="0"/>
+              </a:spcBef>
+              <a:buNone/>
+            </a:pPr>
+            <a:endParaRPr sz="2800" dirty="0">
+              <a:solidFill>
+                <a:schemeClr val="dk1"/>
+              </a:solidFill>
+            </a:endParaRPr>
+          </a:p>
+        </p:txBody>
+      </p:sp>
+    </p:spTree>
+  </p:cSld>
+  <p:clrMapOvr>
+    <a:masterClrMapping/>
+  </p:clrMapOvr>
+</p:sld>
+</file>
+
+<file path=ppt/slides/slide16.xml><?xml version="1.0" encoding="utf-8"?>
 <p:sld xmlns:a="http://schemas.openxmlformats.org/drawingml/2006/main" xmlns:r="http://schemas.openxmlformats.org/officeDocument/2006/relationships" xmlns:p="http://schemas.openxmlformats.org/presentationml/2006/main">
   <p:cSld>
     <p:spTree>
@@ -6003,7 +7097,7 @@
         </p:nvGraphicFramePr>
         <p:xfrm>
           <a:off x="116379" y="482139"/>
-          <a:ext cx="8844743" cy="4572471"/>
+          <a:ext cx="8844743" cy="4597236"/>
         </p:xfrm>
         <a:graphic>
           <a:graphicData uri="http://schemas.openxmlformats.org/drawingml/2006/table">
@@ -6012,9 +7106,27 @@
                 <a:tableStyleId>{EE8FE16C-D8B1-4CFE-AAB2-55886D56D2E9}</a:tableStyleId>
               </a:tblPr>
               <a:tblGrid>
-                <a:gridCol w="1637609"/>
-                <a:gridCol w="4553711"/>
-                <a:gridCol w="2653423"/>
+                <a:gridCol w="1637609">
+                  <a:extLst>
+                    <a:ext uri="{9D8B030D-6E8A-4147-A177-3AD203B41FA5}">
+                      <a16:colId xmlns:a16="http://schemas.microsoft.com/office/drawing/2014/main" val="20000"/>
+                    </a:ext>
+                  </a:extLst>
+                </a:gridCol>
+                <a:gridCol w="4553711">
+                  <a:extLst>
+                    <a:ext uri="{9D8B030D-6E8A-4147-A177-3AD203B41FA5}">
+                      <a16:colId xmlns:a16="http://schemas.microsoft.com/office/drawing/2014/main" val="20001"/>
+                    </a:ext>
+                  </a:extLst>
+                </a:gridCol>
+                <a:gridCol w="2653423">
+                  <a:extLst>
+                    <a:ext uri="{9D8B030D-6E8A-4147-A177-3AD203B41FA5}">
+                      <a16:colId xmlns:a16="http://schemas.microsoft.com/office/drawing/2014/main" val="20002"/>
+                    </a:ext>
+                  </a:extLst>
+                </a:gridCol>
               </a:tblGrid>
               <a:tr h="128353">
                 <a:tc>
@@ -6116,6 +7228,11 @@
                     </a:solidFill>
                   </a:tcPr>
                 </a:tc>
+                <a:extLst>
+                  <a:ext uri="{0D108BD9-81ED-4DB2-BD59-A6C34878D82A}">
+                    <a16:rowId xmlns:a16="http://schemas.microsoft.com/office/drawing/2014/main" val="10000"/>
+                  </a:ext>
+                </a:extLst>
               </a:tr>
               <a:tr h="421957">
                 <a:tc>
@@ -6205,6 +7322,11 @@
                   </a:txBody>
                   <a:tcPr marL="14762" marR="14762" marT="14762" marB="14762"/>
                 </a:tc>
+                <a:extLst>
+                  <a:ext uri="{0D108BD9-81ED-4DB2-BD59-A6C34878D82A}">
+                    <a16:rowId xmlns:a16="http://schemas.microsoft.com/office/drawing/2014/main" val="10001"/>
+                  </a:ext>
+                </a:extLst>
               </a:tr>
               <a:tr h="490438">
                 <a:tc>
@@ -6294,6 +7416,11 @@
                   </a:txBody>
                   <a:tcPr marL="14762" marR="14762" marT="14762" marB="14762"/>
                 </a:tc>
+                <a:extLst>
+                  <a:ext uri="{0D108BD9-81ED-4DB2-BD59-A6C34878D82A}">
+                    <a16:rowId xmlns:a16="http://schemas.microsoft.com/office/drawing/2014/main" val="10002"/>
+                  </a:ext>
+                </a:extLst>
               </a:tr>
               <a:tr h="324089">
                 <a:tc>
@@ -6383,6 +7510,11 @@
                   </a:txBody>
                   <a:tcPr marL="14762" marR="14762" marT="14762" marB="14762"/>
                 </a:tc>
+                <a:extLst>
+                  <a:ext uri="{0D108BD9-81ED-4DB2-BD59-A6C34878D82A}">
+                    <a16:rowId xmlns:a16="http://schemas.microsoft.com/office/drawing/2014/main" val="10003"/>
+                  </a:ext>
+                </a:extLst>
               </a:tr>
               <a:tr h="226221">
                 <a:tc>
@@ -6472,6 +7604,11 @@
                   </a:txBody>
                   <a:tcPr marL="14762" marR="14762" marT="14762" marB="14762"/>
                 </a:tc>
+                <a:extLst>
+                  <a:ext uri="{0D108BD9-81ED-4DB2-BD59-A6C34878D82A}">
+                    <a16:rowId xmlns:a16="http://schemas.microsoft.com/office/drawing/2014/main" val="10004"/>
+                  </a:ext>
+                </a:extLst>
               </a:tr>
               <a:tr h="490438">
                 <a:tc>
@@ -6567,6 +7704,11 @@
                   </a:txBody>
                   <a:tcPr marL="14762" marR="14762" marT="14762" marB="14762"/>
                 </a:tc>
+                <a:extLst>
+                  <a:ext uri="{0D108BD9-81ED-4DB2-BD59-A6C34878D82A}">
+                    <a16:rowId xmlns:a16="http://schemas.microsoft.com/office/drawing/2014/main" val="10005"/>
+                  </a:ext>
+                </a:extLst>
               </a:tr>
               <a:tr h="519824">
                 <a:tc>
@@ -6656,6 +7798,11 @@
                   </a:txBody>
                   <a:tcPr marL="14762" marR="14762" marT="14762" marB="14762"/>
                 </a:tc>
+                <a:extLst>
+                  <a:ext uri="{0D108BD9-81ED-4DB2-BD59-A6C34878D82A}">
+                    <a16:rowId xmlns:a16="http://schemas.microsoft.com/office/drawing/2014/main" val="10006"/>
+                  </a:ext>
+                </a:extLst>
               </a:tr>
               <a:tr h="128353">
                 <a:tc>
@@ -6745,6 +7892,11 @@
                   </a:txBody>
                   <a:tcPr marL="14762" marR="14762" marT="14762" marB="14762"/>
                 </a:tc>
+                <a:extLst>
+                  <a:ext uri="{0D108BD9-81ED-4DB2-BD59-A6C34878D82A}">
+                    <a16:rowId xmlns:a16="http://schemas.microsoft.com/office/drawing/2014/main" val="10007"/>
+                  </a:ext>
+                </a:extLst>
               </a:tr>
               <a:tr h="324089">
                 <a:tc>
@@ -6834,6 +7986,11 @@
                   </a:txBody>
                   <a:tcPr marL="14762" marR="14762" marT="14762" marB="14762"/>
                 </a:tc>
+                <a:extLst>
+                  <a:ext uri="{0D108BD9-81ED-4DB2-BD59-A6C34878D82A}">
+                    <a16:rowId xmlns:a16="http://schemas.microsoft.com/office/drawing/2014/main" val="10008"/>
+                  </a:ext>
+                </a:extLst>
               </a:tr>
               <a:tr h="324089">
                 <a:tc>
@@ -6923,6 +8080,11 @@
                   </a:txBody>
                   <a:tcPr marL="14762" marR="14762" marT="14762" marB="14762"/>
                 </a:tc>
+                <a:extLst>
+                  <a:ext uri="{0D108BD9-81ED-4DB2-BD59-A6C34878D82A}">
+                    <a16:rowId xmlns:a16="http://schemas.microsoft.com/office/drawing/2014/main" val="10009"/>
+                  </a:ext>
+                </a:extLst>
               </a:tr>
               <a:tr h="128353">
                 <a:tc>
@@ -7012,6 +8174,11 @@
                   </a:txBody>
                   <a:tcPr marL="14762" marR="14762" marT="14762" marB="14762"/>
                 </a:tc>
+                <a:extLst>
+                  <a:ext uri="{0D108BD9-81ED-4DB2-BD59-A6C34878D82A}">
+                    <a16:rowId xmlns:a16="http://schemas.microsoft.com/office/drawing/2014/main" val="10010"/>
+                  </a:ext>
+                </a:extLst>
               </a:tr>
               <a:tr h="450652">
                 <a:tc>
@@ -7101,6 +8268,11 @@
                   </a:txBody>
                   <a:tcPr marL="14762" marR="14762" marT="14762" marB="14762"/>
                 </a:tc>
+                <a:extLst>
+                  <a:ext uri="{0D108BD9-81ED-4DB2-BD59-A6C34878D82A}">
+                    <a16:rowId xmlns:a16="http://schemas.microsoft.com/office/drawing/2014/main" val="10011"/>
+                  </a:ext>
+                </a:extLst>
               </a:tr>
               <a:tr h="226221">
                 <a:tc>
@@ -7190,6 +8362,11 @@
                   </a:txBody>
                   <a:tcPr marL="14762" marR="14762" marT="14762" marB="14762"/>
                 </a:tc>
+                <a:extLst>
+                  <a:ext uri="{0D108BD9-81ED-4DB2-BD59-A6C34878D82A}">
+                    <a16:rowId xmlns:a16="http://schemas.microsoft.com/office/drawing/2014/main" val="10012"/>
+                  </a:ext>
+                </a:extLst>
               </a:tr>
             </a:tbl>
           </a:graphicData>
@@ -7208,7 +8385,7 @@
 </p:sld>
 </file>
 
-<file path=ppt/slides/slide11.xml><?xml version="1.0" encoding="utf-8"?>
+<file path=ppt/slides/slide17.xml><?xml version="1.0" encoding="utf-8"?>
 <p:sld xmlns:a="http://schemas.openxmlformats.org/drawingml/2006/main" xmlns:r="http://schemas.openxmlformats.org/officeDocument/2006/relationships" xmlns:p="http://schemas.openxmlformats.org/presentationml/2006/main">
   <p:cSld>
     <p:spTree>
@@ -7281,9 +8458,27 @@
                 <a:tableStyleId>{EE8FE16C-D8B1-4CFE-AAB2-55886D56D2E9}</a:tableStyleId>
               </a:tblPr>
               <a:tblGrid>
-                <a:gridCol w="2548683"/>
-                <a:gridCol w="3398242"/>
-                <a:gridCol w="2548683"/>
+                <a:gridCol w="2548683">
+                  <a:extLst>
+                    <a:ext uri="{9D8B030D-6E8A-4147-A177-3AD203B41FA5}">
+                      <a16:colId xmlns:a16="http://schemas.microsoft.com/office/drawing/2014/main" val="20000"/>
+                    </a:ext>
+                  </a:extLst>
+                </a:gridCol>
+                <a:gridCol w="3398242">
+                  <a:extLst>
+                    <a:ext uri="{9D8B030D-6E8A-4147-A177-3AD203B41FA5}">
+                      <a16:colId xmlns:a16="http://schemas.microsoft.com/office/drawing/2014/main" val="20001"/>
+                    </a:ext>
+                  </a:extLst>
+                </a:gridCol>
+                <a:gridCol w="2548683">
+                  <a:extLst>
+                    <a:ext uri="{9D8B030D-6E8A-4147-A177-3AD203B41FA5}">
+                      <a16:colId xmlns:a16="http://schemas.microsoft.com/office/drawing/2014/main" val="20002"/>
+                    </a:ext>
+                  </a:extLst>
+                </a:gridCol>
               </a:tblGrid>
               <a:tr h="309490">
                 <a:tc>
@@ -7391,6 +8586,11 @@
                     </a:solidFill>
                   </a:tcPr>
                 </a:tc>
+                <a:extLst>
+                  <a:ext uri="{0D108BD9-81ED-4DB2-BD59-A6C34878D82A}">
+                    <a16:rowId xmlns:a16="http://schemas.microsoft.com/office/drawing/2014/main" val="10000"/>
+                  </a:ext>
+                </a:extLst>
               </a:tr>
               <a:tr h="309490">
                 <a:tc>
@@ -7480,6 +8680,11 @@
                   </a:txBody>
                   <a:tcPr marL="28575" marR="28575" marT="28575" marB="28575"/>
                 </a:tc>
+                <a:extLst>
+                  <a:ext uri="{0D108BD9-81ED-4DB2-BD59-A6C34878D82A}">
+                    <a16:rowId xmlns:a16="http://schemas.microsoft.com/office/drawing/2014/main" val="10001"/>
+                  </a:ext>
+                </a:extLst>
               </a:tr>
               <a:tr h="309490">
                 <a:tc>
@@ -7569,6 +8774,11 @@
                   </a:txBody>
                   <a:tcPr marL="28575" marR="28575" marT="28575" marB="28575"/>
                 </a:tc>
+                <a:extLst>
+                  <a:ext uri="{0D108BD9-81ED-4DB2-BD59-A6C34878D82A}">
+                    <a16:rowId xmlns:a16="http://schemas.microsoft.com/office/drawing/2014/main" val="10002"/>
+                  </a:ext>
+                </a:extLst>
               </a:tr>
               <a:tr h="309490">
                 <a:tc>
@@ -7658,6 +8868,11 @@
                   </a:txBody>
                   <a:tcPr marL="28575" marR="28575" marT="28575" marB="28575"/>
                 </a:tc>
+                <a:extLst>
+                  <a:ext uri="{0D108BD9-81ED-4DB2-BD59-A6C34878D82A}">
+                    <a16:rowId xmlns:a16="http://schemas.microsoft.com/office/drawing/2014/main" val="10003"/>
+                  </a:ext>
+                </a:extLst>
               </a:tr>
               <a:tr h="309490">
                 <a:tc>
@@ -7747,6 +8962,11 @@
                   </a:txBody>
                   <a:tcPr marL="28575" marR="28575" marT="28575" marB="28575"/>
                 </a:tc>
+                <a:extLst>
+                  <a:ext uri="{0D108BD9-81ED-4DB2-BD59-A6C34878D82A}">
+                    <a16:rowId xmlns:a16="http://schemas.microsoft.com/office/drawing/2014/main" val="10004"/>
+                  </a:ext>
+                </a:extLst>
               </a:tr>
               <a:tr h="309490">
                 <a:tc>
@@ -7836,6 +9056,11 @@
                   </a:txBody>
                   <a:tcPr marL="28575" marR="28575" marT="28575" marB="28575"/>
                 </a:tc>
+                <a:extLst>
+                  <a:ext uri="{0D108BD9-81ED-4DB2-BD59-A6C34878D82A}">
+                    <a16:rowId xmlns:a16="http://schemas.microsoft.com/office/drawing/2014/main" val="10005"/>
+                  </a:ext>
+                </a:extLst>
               </a:tr>
               <a:tr h="309490">
                 <a:tc>
@@ -7925,6 +9150,11 @@
                   </a:txBody>
                   <a:tcPr marL="28575" marR="28575" marT="28575" marB="28575"/>
                 </a:tc>
+                <a:extLst>
+                  <a:ext uri="{0D108BD9-81ED-4DB2-BD59-A6C34878D82A}">
+                    <a16:rowId xmlns:a16="http://schemas.microsoft.com/office/drawing/2014/main" val="10006"/>
+                  </a:ext>
+                </a:extLst>
               </a:tr>
               <a:tr h="309490">
                 <a:tc>
@@ -8014,6 +9244,11 @@
                   </a:txBody>
                   <a:tcPr marL="28575" marR="28575" marT="28575" marB="28575"/>
                 </a:tc>
+                <a:extLst>
+                  <a:ext uri="{0D108BD9-81ED-4DB2-BD59-A6C34878D82A}">
+                    <a16:rowId xmlns:a16="http://schemas.microsoft.com/office/drawing/2014/main" val="10007"/>
+                  </a:ext>
+                </a:extLst>
               </a:tr>
               <a:tr h="309490">
                 <a:tc>
@@ -8103,6 +9338,11 @@
                   </a:txBody>
                   <a:tcPr marL="28575" marR="28575" marT="28575" marB="28575"/>
                 </a:tc>
+                <a:extLst>
+                  <a:ext uri="{0D108BD9-81ED-4DB2-BD59-A6C34878D82A}">
+                    <a16:rowId xmlns:a16="http://schemas.microsoft.com/office/drawing/2014/main" val="10008"/>
+                  </a:ext>
+                </a:extLst>
               </a:tr>
               <a:tr h="309490">
                 <a:tc>
@@ -8192,6 +9432,11 @@
                   </a:txBody>
                   <a:tcPr marL="28575" marR="28575" marT="28575" marB="28575"/>
                 </a:tc>
+                <a:extLst>
+                  <a:ext uri="{0D108BD9-81ED-4DB2-BD59-A6C34878D82A}">
+                    <a16:rowId xmlns:a16="http://schemas.microsoft.com/office/drawing/2014/main" val="10009"/>
+                  </a:ext>
+                </a:extLst>
               </a:tr>
               <a:tr h="309490">
                 <a:tc>
@@ -8281,6 +9526,11 @@
                   </a:txBody>
                   <a:tcPr marL="28575" marR="28575" marT="28575" marB="28575"/>
                 </a:tc>
+                <a:extLst>
+                  <a:ext uri="{0D108BD9-81ED-4DB2-BD59-A6C34878D82A}">
+                    <a16:rowId xmlns:a16="http://schemas.microsoft.com/office/drawing/2014/main" val="10010"/>
+                  </a:ext>
+                </a:extLst>
               </a:tr>
               <a:tr h="309490">
                 <a:tc>
@@ -8370,6 +9620,11 @@
                   </a:txBody>
                   <a:tcPr marL="28575" marR="28575" marT="28575" marB="28575"/>
                 </a:tc>
+                <a:extLst>
+                  <a:ext uri="{0D108BD9-81ED-4DB2-BD59-A6C34878D82A}">
+                    <a16:rowId xmlns:a16="http://schemas.microsoft.com/office/drawing/2014/main" val="10011"/>
+                  </a:ext>
+                </a:extLst>
               </a:tr>
               <a:tr h="309490">
                 <a:tc>
@@ -8459,6 +9714,11 @@
                   </a:txBody>
                   <a:tcPr marL="28575" marR="28575" marT="28575" marB="28575"/>
                 </a:tc>
+                <a:extLst>
+                  <a:ext uri="{0D108BD9-81ED-4DB2-BD59-A6C34878D82A}">
+                    <a16:rowId xmlns:a16="http://schemas.microsoft.com/office/drawing/2014/main" val="10012"/>
+                  </a:ext>
+                </a:extLst>
               </a:tr>
             </a:tbl>
           </a:graphicData>
@@ -8477,7 +9737,7 @@
 </p:sld>
 </file>
 
-<file path=ppt/slides/slide12.xml><?xml version="1.0" encoding="utf-8"?>
+<file path=ppt/slides/slide18.xml><?xml version="1.0" encoding="utf-8"?>
 <p:sld xmlns:a="http://schemas.openxmlformats.org/drawingml/2006/main" xmlns:r="http://schemas.openxmlformats.org/officeDocument/2006/relationships" xmlns:p="http://schemas.openxmlformats.org/presentationml/2006/main">
   <p:cSld>
     <p:spTree>
@@ -8555,8 +9815,20 @@
                 <a:tableStyleId>{EE8FE16C-D8B1-4CFE-AAB2-55886D56D2E9}</a:tableStyleId>
               </a:tblPr>
               <a:tblGrid>
-                <a:gridCol w="540328"/>
-                <a:gridCol w="7726707"/>
+                <a:gridCol w="540328">
+                  <a:extLst>
+                    <a:ext uri="{9D8B030D-6E8A-4147-A177-3AD203B41FA5}">
+                      <a16:colId xmlns:a16="http://schemas.microsoft.com/office/drawing/2014/main" val="20000"/>
+                    </a:ext>
+                  </a:extLst>
+                </a:gridCol>
+                <a:gridCol w="7726707">
+                  <a:extLst>
+                    <a:ext uri="{9D8B030D-6E8A-4147-A177-3AD203B41FA5}">
+                      <a16:colId xmlns:a16="http://schemas.microsoft.com/office/drawing/2014/main" val="20001"/>
+                    </a:ext>
+                  </a:extLst>
+                </a:gridCol>
               </a:tblGrid>
               <a:tr h="278796">
                 <a:tc>
@@ -8629,6 +9901,11 @@
                     </a:solidFill>
                   </a:tcPr>
                 </a:tc>
+                <a:extLst>
+                  <a:ext uri="{0D108BD9-81ED-4DB2-BD59-A6C34878D82A}">
+                    <a16:rowId xmlns:a16="http://schemas.microsoft.com/office/drawing/2014/main" val="10000"/>
+                  </a:ext>
+                </a:extLst>
               </a:tr>
               <a:tr h="278796">
                 <a:tc>
@@ -8689,6 +9966,11 @@
                   </a:txBody>
                   <a:tcPr marL="28575" marR="28575" marT="28575" marB="28575"/>
                 </a:tc>
+                <a:extLst>
+                  <a:ext uri="{0D108BD9-81ED-4DB2-BD59-A6C34878D82A}">
+                    <a16:rowId xmlns:a16="http://schemas.microsoft.com/office/drawing/2014/main" val="10001"/>
+                  </a:ext>
+                </a:extLst>
               </a:tr>
               <a:tr h="278796">
                 <a:tc>
@@ -8749,6 +10031,11 @@
                   </a:txBody>
                   <a:tcPr marL="28575" marR="28575" marT="28575" marB="28575"/>
                 </a:tc>
+                <a:extLst>
+                  <a:ext uri="{0D108BD9-81ED-4DB2-BD59-A6C34878D82A}">
+                    <a16:rowId xmlns:a16="http://schemas.microsoft.com/office/drawing/2014/main" val="10002"/>
+                  </a:ext>
+                </a:extLst>
               </a:tr>
               <a:tr h="278796">
                 <a:tc>
@@ -8809,6 +10096,11 @@
                   </a:txBody>
                   <a:tcPr marL="28575" marR="28575" marT="28575" marB="28575"/>
                 </a:tc>
+                <a:extLst>
+                  <a:ext uri="{0D108BD9-81ED-4DB2-BD59-A6C34878D82A}">
+                    <a16:rowId xmlns:a16="http://schemas.microsoft.com/office/drawing/2014/main" val="10003"/>
+                  </a:ext>
+                </a:extLst>
               </a:tr>
               <a:tr h="278796">
                 <a:tc>
@@ -8869,6 +10161,11 @@
                   </a:txBody>
                   <a:tcPr marL="28575" marR="28575" marT="28575" marB="28575"/>
                 </a:tc>
+                <a:extLst>
+                  <a:ext uri="{0D108BD9-81ED-4DB2-BD59-A6C34878D82A}">
+                    <a16:rowId xmlns:a16="http://schemas.microsoft.com/office/drawing/2014/main" val="10004"/>
+                  </a:ext>
+                </a:extLst>
               </a:tr>
               <a:tr h="278796">
                 <a:tc>
@@ -8929,6 +10226,11 @@
                   </a:txBody>
                   <a:tcPr marL="28575" marR="28575" marT="28575" marB="28575"/>
                 </a:tc>
+                <a:extLst>
+                  <a:ext uri="{0D108BD9-81ED-4DB2-BD59-A6C34878D82A}">
+                    <a16:rowId xmlns:a16="http://schemas.microsoft.com/office/drawing/2014/main" val="10005"/>
+                  </a:ext>
+                </a:extLst>
               </a:tr>
               <a:tr h="278796">
                 <a:tc>
@@ -8989,6 +10291,11 @@
                   </a:txBody>
                   <a:tcPr marL="28575" marR="28575" marT="28575" marB="28575"/>
                 </a:tc>
+                <a:extLst>
+                  <a:ext uri="{0D108BD9-81ED-4DB2-BD59-A6C34878D82A}">
+                    <a16:rowId xmlns:a16="http://schemas.microsoft.com/office/drawing/2014/main" val="10006"/>
+                  </a:ext>
+                </a:extLst>
               </a:tr>
               <a:tr h="278796">
                 <a:tc>
@@ -9049,6 +10356,11 @@
                   </a:txBody>
                   <a:tcPr marL="28575" marR="28575" marT="28575" marB="28575"/>
                 </a:tc>
+                <a:extLst>
+                  <a:ext uri="{0D108BD9-81ED-4DB2-BD59-A6C34878D82A}">
+                    <a16:rowId xmlns:a16="http://schemas.microsoft.com/office/drawing/2014/main" val="10007"/>
+                  </a:ext>
+                </a:extLst>
               </a:tr>
               <a:tr h="278796">
                 <a:tc>
@@ -9109,6 +10421,11 @@
                   </a:txBody>
                   <a:tcPr marL="28575" marR="28575" marT="28575" marB="28575"/>
                 </a:tc>
+                <a:extLst>
+                  <a:ext uri="{0D108BD9-81ED-4DB2-BD59-A6C34878D82A}">
+                    <a16:rowId xmlns:a16="http://schemas.microsoft.com/office/drawing/2014/main" val="10008"/>
+                  </a:ext>
+                </a:extLst>
               </a:tr>
               <a:tr h="278796">
                 <a:tc>
@@ -9169,6 +10486,11 @@
                   </a:txBody>
                   <a:tcPr marL="28575" marR="28575" marT="28575" marB="28575"/>
                 </a:tc>
+                <a:extLst>
+                  <a:ext uri="{0D108BD9-81ED-4DB2-BD59-A6C34878D82A}">
+                    <a16:rowId xmlns:a16="http://schemas.microsoft.com/office/drawing/2014/main" val="10009"/>
+                  </a:ext>
+                </a:extLst>
               </a:tr>
               <a:tr h="278796">
                 <a:tc>
@@ -9229,6 +10551,11 @@
                   </a:txBody>
                   <a:tcPr marL="28575" marR="28575" marT="28575" marB="28575"/>
                 </a:tc>
+                <a:extLst>
+                  <a:ext uri="{0D108BD9-81ED-4DB2-BD59-A6C34878D82A}">
+                    <a16:rowId xmlns:a16="http://schemas.microsoft.com/office/drawing/2014/main" val="10010"/>
+                  </a:ext>
+                </a:extLst>
               </a:tr>
               <a:tr h="278796">
                 <a:tc>
@@ -9289,6 +10616,11 @@
                   </a:txBody>
                   <a:tcPr marL="28575" marR="28575" marT="28575" marB="28575"/>
                 </a:tc>
+                <a:extLst>
+                  <a:ext uri="{0D108BD9-81ED-4DB2-BD59-A6C34878D82A}">
+                    <a16:rowId xmlns:a16="http://schemas.microsoft.com/office/drawing/2014/main" val="10011"/>
+                  </a:ext>
+                </a:extLst>
               </a:tr>
               <a:tr h="278796">
                 <a:tc>
@@ -9349,6 +10681,11 @@
                   </a:txBody>
                   <a:tcPr marL="28575" marR="28575" marT="28575" marB="28575"/>
                 </a:tc>
+                <a:extLst>
+                  <a:ext uri="{0D108BD9-81ED-4DB2-BD59-A6C34878D82A}">
+                    <a16:rowId xmlns:a16="http://schemas.microsoft.com/office/drawing/2014/main" val="10012"/>
+                  </a:ext>
+                </a:extLst>
               </a:tr>
             </a:tbl>
           </a:graphicData>
@@ -9362,7 +10699,7 @@
 </p:sld>
 </file>
 
-<file path=ppt/slides/slide13.xml><?xml version="1.0" encoding="utf-8"?>
+<file path=ppt/slides/slide19.xml><?xml version="1.0" encoding="utf-8"?>
 <p:sld xmlns:a="http://schemas.openxmlformats.org/drawingml/2006/main" xmlns:r="http://schemas.openxmlformats.org/officeDocument/2006/relationships" xmlns:p="http://schemas.openxmlformats.org/presentationml/2006/main">
   <p:cSld>
     <p:spTree>
@@ -9448,7 +10785,67 @@
 </p:sld>
 </file>
 
-<file path=ppt/slides/slide14.xml><?xml version="1.0" encoding="utf-8"?>
+<file path=ppt/slides/slide2.xml><?xml version="1.0" encoding="utf-8"?>
+<p:sld xmlns:a="http://schemas.openxmlformats.org/drawingml/2006/main" xmlns:r="http://schemas.openxmlformats.org/officeDocument/2006/relationships" xmlns:p="http://schemas.openxmlformats.org/presentationml/2006/main">
+  <p:cSld>
+    <p:spTree>
+      <p:nvGrpSpPr>
+        <p:cNvPr id="1" name=""/>
+        <p:cNvGrpSpPr/>
+        <p:nvPr/>
+      </p:nvGrpSpPr>
+      <p:grpSpPr>
+        <a:xfrm>
+          <a:off x="0" y="0"/>
+          <a:ext cx="0" cy="0"/>
+          <a:chOff x="0" y="0"/>
+          <a:chExt cx="0" cy="0"/>
+        </a:xfrm>
+      </p:grpSpPr>
+      <p:pic>
+        <p:nvPicPr>
+          <p:cNvPr id="3" name="Рисунок 2"/>
+          <p:cNvPicPr>
+            <a:picLocks noChangeAspect="1"/>
+          </p:cNvPicPr>
+          <p:nvPr/>
+        </p:nvPicPr>
+        <p:blipFill>
+          <a:blip r:embed="rId2">
+            <a:extLst>
+              <a:ext uri="{28A0092B-C50C-407E-A947-70E740481C1C}">
+                <a14:useLocalDpi xmlns:a14="http://schemas.microsoft.com/office/drawing/2010/main" val="0"/>
+              </a:ext>
+            </a:extLst>
+          </a:blip>
+          <a:stretch>
+            <a:fillRect/>
+          </a:stretch>
+        </p:blipFill>
+        <p:spPr>
+          <a:xfrm>
+            <a:off x="1490472" y="454914"/>
+            <a:ext cx="6007608" cy="4505706"/>
+          </a:xfrm>
+          <a:prstGeom prst="rect">
+            <a:avLst/>
+          </a:prstGeom>
+        </p:spPr>
+      </p:pic>
+    </p:spTree>
+    <p:extLst>
+      <p:ext uri="{BB962C8B-B14F-4D97-AF65-F5344CB8AC3E}">
+        <p14:creationId xmlns:p14="http://schemas.microsoft.com/office/powerpoint/2010/main" val="1611095034"/>
+      </p:ext>
+    </p:extLst>
+  </p:cSld>
+  <p:clrMapOvr>
+    <a:masterClrMapping/>
+  </p:clrMapOvr>
+</p:sld>
+</file>
+
+<file path=ppt/slides/slide20.xml><?xml version="1.0" encoding="utf-8"?>
 <p:sld xmlns:a="http://schemas.openxmlformats.org/drawingml/2006/main" xmlns:r="http://schemas.openxmlformats.org/officeDocument/2006/relationships" xmlns:p="http://schemas.openxmlformats.org/presentationml/2006/main">
   <p:cSld>
     <p:spTree>
@@ -9591,7 +10988,7 @@
 </p:sld>
 </file>
 
-<file path=ppt/slides/slide15.xml><?xml version="1.0" encoding="utf-8"?>
+<file path=ppt/slides/slide21.xml><?xml version="1.0" encoding="utf-8"?>
 <p:sld xmlns:a="http://schemas.openxmlformats.org/drawingml/2006/main" xmlns:r="http://schemas.openxmlformats.org/officeDocument/2006/relationships" xmlns:p="http://schemas.openxmlformats.org/presentationml/2006/main">
   <p:cSld>
     <p:spTree>
@@ -10345,7 +11742,7 @@
 </p:sld>
 </file>
 
-<file path=ppt/slides/slide16.xml><?xml version="1.0" encoding="utf-8"?>
+<file path=ppt/slides/slide22.xml><?xml version="1.0" encoding="utf-8"?>
 <p:sld xmlns:a="http://schemas.openxmlformats.org/drawingml/2006/main" xmlns:r="http://schemas.openxmlformats.org/officeDocument/2006/relationships" xmlns:p="http://schemas.openxmlformats.org/presentationml/2006/main">
   <p:cSld>
     <p:spTree>
@@ -10441,7 +11838,7 @@
 </p:sld>
 </file>
 
-<file path=ppt/slides/slide17.xml><?xml version="1.0" encoding="utf-8"?>
+<file path=ppt/slides/slide23.xml><?xml version="1.0" encoding="utf-8"?>
 <p:sld xmlns:a="http://schemas.openxmlformats.org/drawingml/2006/main" xmlns:r="http://schemas.openxmlformats.org/officeDocument/2006/relationships" xmlns:p="http://schemas.openxmlformats.org/presentationml/2006/main">
   <p:cSld>
     <p:spTree>
@@ -10514,7 +11911,7 @@
 </p:sld>
 </file>
 
-<file path=ppt/slides/slide2.xml><?xml version="1.0" encoding="utf-8"?>
+<file path=ppt/slides/slide3.xml><?xml version="1.0" encoding="utf-8"?>
 <p:sld xmlns:a="http://schemas.openxmlformats.org/drawingml/2006/main" xmlns:r="http://schemas.openxmlformats.org/officeDocument/2006/relationships" xmlns:p="http://schemas.openxmlformats.org/presentationml/2006/main">
   <p:cSld>
     <p:spTree>
@@ -10644,10 +12041,17 @@
   <p:clrMapOvr>
     <a:masterClrMapping/>
   </p:clrMapOvr>
+  <p:timing>
+    <p:tnLst>
+      <p:par>
+        <p:cTn id="1" dur="indefinite" restart="never" nodeType="tmRoot"/>
+      </p:par>
+    </p:tnLst>
+  </p:timing>
 </p:sld>
 </file>
 
-<file path=ppt/slides/slide3.xml><?xml version="1.0" encoding="utf-8"?>
+<file path=ppt/slides/slide4.xml><?xml version="1.0" encoding="utf-8"?>
 <p:sld xmlns:a="http://schemas.openxmlformats.org/drawingml/2006/main" xmlns:r="http://schemas.openxmlformats.org/officeDocument/2006/relationships" xmlns:p="http://schemas.openxmlformats.org/presentationml/2006/main">
   <p:cSld>
     <p:spTree>
@@ -10710,7 +12114,7 @@
 </p:sld>
 </file>
 
-<file path=ppt/slides/slide4.xml><?xml version="1.0" encoding="utf-8"?>
+<file path=ppt/slides/slide5.xml><?xml version="1.0" encoding="utf-8"?>
 <p:sld xmlns:a="http://schemas.openxmlformats.org/drawingml/2006/main" xmlns:r="http://schemas.openxmlformats.org/officeDocument/2006/relationships" xmlns:p="http://schemas.openxmlformats.org/presentationml/2006/main">
   <p:cSld>
     <p:spTree>
@@ -10885,7 +12289,7 @@
 </p:sld>
 </file>
 
-<file path=ppt/slides/slide5.xml><?xml version="1.0" encoding="utf-8"?>
+<file path=ppt/slides/slide6.xml><?xml version="1.0" encoding="utf-8"?>
 <p:sld xmlns:a="http://schemas.openxmlformats.org/drawingml/2006/main" xmlns:r="http://schemas.openxmlformats.org/officeDocument/2006/relationships" xmlns:p="http://schemas.openxmlformats.org/presentationml/2006/main">
   <p:cSld>
     <p:spTree>
@@ -10934,9 +12338,14 @@
               <a:buNone/>
             </a:pPr>
             <a:r>
-              <a:rPr lang="ru" sz="9600" b="1"/>
-              <a:t>72 </a:t>
-            </a:r>
+              <a:rPr lang="en-US" sz="9600" b="1" dirty="0" smtClean="0"/>
+              <a:t>104</a:t>
+            </a:r>
+            <a:r>
+              <a:rPr lang="ru" sz="9600" b="1" dirty="0" smtClean="0"/>
+              <a:t> </a:t>
+            </a:r>
+            <a:endParaRPr lang="ru" sz="9600" b="1" dirty="0"/>
           </a:p>
         </p:txBody>
       </p:sp>
@@ -10948,7 +12357,7 @@
 </p:sld>
 </file>
 
-<file path=ppt/slides/slide6.xml><?xml version="1.0" encoding="utf-8"?>
+<file path=ppt/slides/slide7.xml><?xml version="1.0" encoding="utf-8"?>
 <p:sld xmlns:a="http://schemas.openxmlformats.org/drawingml/2006/main" xmlns:r="http://schemas.openxmlformats.org/officeDocument/2006/relationships" xmlns:p="http://schemas.openxmlformats.org/presentationml/2006/main">
   <p:cSld>
     <p:spTree>
@@ -11085,12 +12494,12 @@
 </p:sld>
 </file>
 
-<file path=ppt/slides/slide7.xml><?xml version="1.0" encoding="utf-8"?>
+<file path=ppt/slides/slide8.xml><?xml version="1.0" encoding="utf-8"?>
 <p:sld xmlns:a="http://schemas.openxmlformats.org/drawingml/2006/main" xmlns:r="http://schemas.openxmlformats.org/officeDocument/2006/relationships" xmlns:p="http://schemas.openxmlformats.org/presentationml/2006/main">
   <p:cSld>
     <p:spTree>
       <p:nvGrpSpPr>
-        <p:cNvPr id="1" name="Shape 89"/>
+        <p:cNvPr id="1" name=""/>
         <p:cNvGrpSpPr/>
         <p:nvPr/>
       </p:nvGrpSpPr>
@@ -11104,43 +12513,33 @@
       </p:grpSpPr>
       <p:sp>
         <p:nvSpPr>
-          <p:cNvPr id="90" name="Shape 90"/>
-          <p:cNvSpPr txBox="1">
+          <p:cNvPr id="2" name="Заголовок 1"/>
+          <p:cNvSpPr>
             <a:spLocks noGrp="1"/>
           </p:cNvSpPr>
           <p:nvPr>
             <p:ph type="title"/>
           </p:nvPr>
         </p:nvSpPr>
-        <p:spPr>
-          <a:xfrm>
-            <a:off x="311700" y="2150850"/>
-            <a:ext cx="8520600" cy="841800"/>
-          </a:xfrm>
-          <a:prstGeom prst="rect">
-            <a:avLst/>
-          </a:prstGeom>
-        </p:spPr>
+        <p:spPr/>
         <p:txBody>
-          <a:bodyPr lIns="91425" tIns="91425" rIns="91425" bIns="91425" anchor="ctr" anchorCtr="0">
-            <a:noAutofit/>
-          </a:bodyPr>
+          <a:bodyPr/>
           <a:lstStyle/>
           <a:p>
-            <a:pPr lvl="0">
-              <a:spcBef>
-                <a:spcPts val="0"/>
-              </a:spcBef>
-              <a:buNone/>
-            </a:pPr>
-            <a:r>
-              <a:rPr lang="ru"/>
-              <a:t>Selenium</a:t>
-            </a:r>
+            <a:r>
+              <a:rPr lang="ru-RU" dirty="0" smtClean="0"/>
+              <a:t>Базовые знания</a:t>
+            </a:r>
+            <a:endParaRPr lang="en-US" dirty="0"/>
           </a:p>
         </p:txBody>
       </p:sp>
     </p:spTree>
+    <p:extLst>
+      <p:ext uri="{BB962C8B-B14F-4D97-AF65-F5344CB8AC3E}">
+        <p14:creationId xmlns:p14="http://schemas.microsoft.com/office/powerpoint/2010/main" val="191405553"/>
+      </p:ext>
+    </p:extLst>
   </p:cSld>
   <p:clrMapOvr>
     <a:masterClrMapping/>
@@ -11148,12 +12547,12 @@
 </p:sld>
 </file>
 
-<file path=ppt/slides/slide8.xml><?xml version="1.0" encoding="utf-8"?>
+<file path=ppt/slides/slide9.xml><?xml version="1.0" encoding="utf-8"?>
 <p:sld xmlns:a="http://schemas.openxmlformats.org/drawingml/2006/main" xmlns:r="http://schemas.openxmlformats.org/officeDocument/2006/relationships" xmlns:p="http://schemas.openxmlformats.org/presentationml/2006/main">
   <p:cSld>
     <p:spTree>
       <p:nvGrpSpPr>
-        <p:cNvPr id="1" name="Shape 94"/>
+        <p:cNvPr id="1" name=""/>
         <p:cNvGrpSpPr/>
         <p:nvPr/>
       </p:nvGrpSpPr>
@@ -11167,8 +12566,8 @@
       </p:grpSpPr>
       <p:sp>
         <p:nvSpPr>
-          <p:cNvPr id="95" name="Shape 95"/>
-          <p:cNvSpPr txBox="1">
+          <p:cNvPr id="3" name="Заголовок 2"/>
+          <p:cNvSpPr>
             <a:spLocks noGrp="1"/>
           </p:cNvSpPr>
           <p:nvPr>
@@ -11177,408 +12576,384 @@
         </p:nvSpPr>
         <p:spPr>
           <a:xfrm>
-            <a:off x="0" y="0"/>
+            <a:off x="264198" y="160017"/>
             <a:ext cx="8520600" cy="572700"/>
+          </a:xfrm>
+        </p:spPr>
+        <p:txBody>
+          <a:bodyPr/>
+          <a:lstStyle/>
+          <a:p>
+            <a:r>
+              <a:rPr lang="ru-RU" dirty="0" smtClean="0"/>
+              <a:t>Что необходимо в первую очередь автоматизировать</a:t>
+            </a:r>
+            <a:endParaRPr lang="en-US" dirty="0"/>
+          </a:p>
+        </p:txBody>
+      </p:sp>
+      <p:sp>
+        <p:nvSpPr>
+          <p:cNvPr id="5" name="Овал 4"/>
+          <p:cNvSpPr/>
+          <p:nvPr/>
+        </p:nvSpPr>
+        <p:spPr>
+          <a:xfrm>
+            <a:off x="3633849" y="1828800"/>
+            <a:ext cx="1876301" cy="1876301"/>
+          </a:xfrm>
+          <a:prstGeom prst="ellipse">
+            <a:avLst/>
+          </a:prstGeom>
+        </p:spPr>
+        <p:style>
+          <a:lnRef idx="2">
+            <a:schemeClr val="accent1">
+              <a:shade val="50000"/>
+            </a:schemeClr>
+          </a:lnRef>
+          <a:fillRef idx="1">
+            <a:schemeClr val="accent1"/>
+          </a:fillRef>
+          <a:effectRef idx="0">
+            <a:schemeClr val="accent1"/>
+          </a:effectRef>
+          <a:fontRef idx="minor">
+            <a:schemeClr val="lt1"/>
+          </a:fontRef>
+        </p:style>
+        <p:txBody>
+          <a:bodyPr rtlCol="0" anchor="ctr"/>
+          <a:lstStyle/>
+          <a:p>
+            <a:pPr algn="ctr"/>
+            <a:r>
+              <a:rPr lang="ru-RU" b="1" dirty="0" smtClean="0"/>
+              <a:t>В первую очередь</a:t>
+            </a:r>
+            <a:endParaRPr lang="en-US" b="1" dirty="0"/>
+          </a:p>
+        </p:txBody>
+      </p:sp>
+      <p:sp>
+        <p:nvSpPr>
+          <p:cNvPr id="6" name="Прямоугольник 5"/>
+          <p:cNvSpPr/>
+          <p:nvPr/>
+        </p:nvSpPr>
+        <p:spPr>
+          <a:xfrm>
+            <a:off x="593767" y="1579418"/>
+            <a:ext cx="2873828" cy="498764"/>
           </a:xfrm>
           <a:prstGeom prst="rect">
             <a:avLst/>
           </a:prstGeom>
         </p:spPr>
+        <p:style>
+          <a:lnRef idx="2">
+            <a:schemeClr val="accent1">
+              <a:shade val="50000"/>
+            </a:schemeClr>
+          </a:lnRef>
+          <a:fillRef idx="1">
+            <a:schemeClr val="accent1"/>
+          </a:fillRef>
+          <a:effectRef idx="0">
+            <a:schemeClr val="accent1"/>
+          </a:effectRef>
+          <a:fontRef idx="minor">
+            <a:schemeClr val="lt1"/>
+          </a:fontRef>
+        </p:style>
         <p:txBody>
-          <a:bodyPr lIns="91425" tIns="91425" rIns="91425" bIns="91425" anchor="t" anchorCtr="0">
-            <a:noAutofit/>
-          </a:bodyPr>
+          <a:bodyPr rtlCol="0" anchor="ctr"/>
           <a:lstStyle/>
           <a:p>
-            <a:pPr lvl="0">
-              <a:spcBef>
-                <a:spcPts val="0"/>
-              </a:spcBef>
-              <a:buNone/>
-            </a:pPr>
-            <a:r>
-              <a:rPr lang="ru" dirty="0" smtClean="0"/>
-              <a:t>Проблемы тестирования </a:t>
-            </a:r>
-            <a:r>
-              <a:rPr lang="en-US" dirty="0" smtClean="0"/>
-              <a:t>GUI</a:t>
-            </a:r>
-            <a:endParaRPr lang="ru" dirty="0"/>
+            <a:pPr algn="ctr"/>
+            <a:r>
+              <a:rPr lang="ru-RU" dirty="0" smtClean="0"/>
+              <a:t>Хорошо проработанные тест-кейсы</a:t>
+            </a:r>
+            <a:endParaRPr lang="en-US" dirty="0"/>
           </a:p>
         </p:txBody>
       </p:sp>
       <p:sp>
         <p:nvSpPr>
-          <p:cNvPr id="96" name="Shape 96"/>
-          <p:cNvSpPr txBox="1">
-            <a:spLocks noGrp="1"/>
-          </p:cNvSpPr>
-          <p:nvPr>
-            <p:ph type="body" idx="1"/>
-          </p:nvPr>
+          <p:cNvPr id="7" name="Прямоугольник 6"/>
+          <p:cNvSpPr/>
+          <p:nvPr/>
         </p:nvSpPr>
         <p:spPr>
           <a:xfrm>
-            <a:off x="206192" y="882844"/>
-            <a:ext cx="8520600" cy="3416400"/>
+            <a:off x="593767" y="2218706"/>
+            <a:ext cx="2873828" cy="498764"/>
           </a:xfrm>
           <a:prstGeom prst="rect">
             <a:avLst/>
           </a:prstGeom>
         </p:spPr>
+        <p:style>
+          <a:lnRef idx="2">
+            <a:schemeClr val="accent1">
+              <a:shade val="50000"/>
+            </a:schemeClr>
+          </a:lnRef>
+          <a:fillRef idx="1">
+            <a:schemeClr val="accent1"/>
+          </a:fillRef>
+          <a:effectRef idx="0">
+            <a:schemeClr val="accent1"/>
+          </a:effectRef>
+          <a:fontRef idx="minor">
+            <a:schemeClr val="lt1"/>
+          </a:fontRef>
+        </p:style>
         <p:txBody>
-          <a:bodyPr lIns="91425" tIns="91425" rIns="91425" bIns="91425" anchor="t" anchorCtr="0">
-            <a:noAutofit/>
-          </a:bodyPr>
+          <a:bodyPr rtlCol="0" anchor="ctr"/>
           <a:lstStyle/>
           <a:p>
-            <a:pPr marL="698500" lvl="0" indent="-304800" rtl="0">
-              <a:lnSpc>
-                <a:spcPct val="160000"/>
-              </a:lnSpc>
-              <a:spcBef>
-                <a:spcPts val="0"/>
-              </a:spcBef>
-              <a:spcAft>
-                <a:spcPts val="800"/>
-              </a:spcAft>
-              <a:buClr>
-                <a:srgbClr val="333333"/>
-              </a:buClr>
-              <a:buSzPct val="100000"/>
-              <a:buAutoNum type="arabicPeriod"/>
-            </a:pPr>
-            <a:r>
-              <a:rPr lang="ru" sz="2800" b="1" dirty="0">
-                <a:solidFill>
-                  <a:srgbClr val="333333"/>
-                </a:solidFill>
-                <a:highlight>
-                  <a:srgbClr val="FFFFFF"/>
-                </a:highlight>
-              </a:rPr>
-              <a:t>Хрупкость </a:t>
-            </a:r>
-            <a:endParaRPr lang="ru" sz="2800" b="1" dirty="0" smtClean="0">
-              <a:solidFill>
-                <a:srgbClr val="333333"/>
-              </a:solidFill>
-              <a:highlight>
-                <a:srgbClr val="FFFFFF"/>
-              </a:highlight>
-            </a:endParaRPr>
-          </a:p>
-          <a:p>
-            <a:pPr marL="698500" lvl="0" indent="-304800" rtl="0">
-              <a:lnSpc>
-                <a:spcPct val="160000"/>
-              </a:lnSpc>
-              <a:spcBef>
-                <a:spcPts val="0"/>
-              </a:spcBef>
-              <a:spcAft>
-                <a:spcPts val="800"/>
-              </a:spcAft>
-              <a:buClr>
-                <a:srgbClr val="333333"/>
-              </a:buClr>
-              <a:buSzPct val="100000"/>
-              <a:buAutoNum type="arabicPeriod"/>
-            </a:pPr>
-            <a:r>
-              <a:rPr lang="ru" sz="2800" b="1" dirty="0" smtClean="0">
-                <a:solidFill>
-                  <a:srgbClr val="333333"/>
-                </a:solidFill>
-                <a:highlight>
-                  <a:srgbClr val="FFFFFF"/>
-                </a:highlight>
-              </a:rPr>
-              <a:t>Ограниченное </a:t>
-            </a:r>
-            <a:r>
-              <a:rPr lang="ru" sz="2800" b="1" dirty="0">
-                <a:solidFill>
-                  <a:srgbClr val="333333"/>
-                </a:solidFill>
-                <a:highlight>
-                  <a:srgbClr val="FFFFFF"/>
-                </a:highlight>
-              </a:rPr>
-              <a:t>тестирование </a:t>
-            </a:r>
-            <a:endParaRPr lang="ru" sz="2800" b="1" dirty="0" smtClean="0">
-              <a:solidFill>
-                <a:srgbClr val="333333"/>
-              </a:solidFill>
-              <a:highlight>
-                <a:srgbClr val="FFFFFF"/>
-              </a:highlight>
-            </a:endParaRPr>
-          </a:p>
-          <a:p>
-            <a:pPr marL="698500" lvl="0" indent="-304800" rtl="0">
-              <a:lnSpc>
-                <a:spcPct val="160000"/>
-              </a:lnSpc>
-              <a:spcBef>
-                <a:spcPts val="0"/>
-              </a:spcBef>
-              <a:spcAft>
-                <a:spcPts val="800"/>
-              </a:spcAft>
-              <a:buClr>
-                <a:srgbClr val="333333"/>
-              </a:buClr>
-              <a:buSzPct val="100000"/>
-              <a:buAutoNum type="arabicPeriod"/>
-            </a:pPr>
-            <a:r>
-              <a:rPr lang="ru" sz="2800" b="1" dirty="0" smtClean="0">
-                <a:solidFill>
-                  <a:srgbClr val="333333"/>
-                </a:solidFill>
-                <a:highlight>
-                  <a:srgbClr val="FFFFFF"/>
-                </a:highlight>
-              </a:rPr>
-              <a:t>Низкая скорость</a:t>
-            </a:r>
-            <a:r>
-              <a:rPr lang="ru" sz="2800" dirty="0" smtClean="0">
-                <a:solidFill>
-                  <a:srgbClr val="333333"/>
-                </a:solidFill>
-                <a:highlight>
-                  <a:srgbClr val="FFFFFF"/>
-                </a:highlight>
-              </a:rPr>
-              <a:t>.</a:t>
-            </a:r>
-            <a:endParaRPr lang="ru" sz="2800" dirty="0">
-              <a:solidFill>
-                <a:srgbClr val="333333"/>
-              </a:solidFill>
-              <a:highlight>
-                <a:srgbClr val="FFFFFF"/>
-              </a:highlight>
-            </a:endParaRPr>
-          </a:p>
-          <a:p>
-            <a:pPr marL="698500" lvl="0" indent="-304800" rtl="0">
-              <a:lnSpc>
-                <a:spcPct val="160000"/>
-              </a:lnSpc>
-              <a:spcBef>
-                <a:spcPts val="0"/>
-              </a:spcBef>
-              <a:spcAft>
-                <a:spcPts val="800"/>
-              </a:spcAft>
-              <a:buClr>
-                <a:srgbClr val="333333"/>
-              </a:buClr>
-              <a:buSzPct val="100000"/>
-              <a:buAutoNum type="arabicPeriod"/>
-            </a:pPr>
-            <a:r>
-              <a:rPr lang="ru" sz="2800" b="1" dirty="0">
-                <a:solidFill>
-                  <a:srgbClr val="333333"/>
-                </a:solidFill>
-                <a:highlight>
-                  <a:srgbClr val="FFFFFF"/>
-                </a:highlight>
-              </a:rPr>
-              <a:t>Наименьшая </a:t>
-            </a:r>
-            <a:r>
-              <a:rPr lang="ru" sz="2800" b="1" dirty="0" smtClean="0">
-                <a:solidFill>
-                  <a:srgbClr val="333333"/>
-                </a:solidFill>
-                <a:highlight>
-                  <a:srgbClr val="FFFFFF"/>
-                </a:highlight>
-              </a:rPr>
-              <a:t>окупаемость</a:t>
-            </a:r>
-            <a:r>
-              <a:rPr lang="ru" sz="2800" dirty="0" smtClean="0">
-                <a:solidFill>
-                  <a:srgbClr val="333333"/>
-                </a:solidFill>
-                <a:highlight>
-                  <a:srgbClr val="FFFFFF"/>
-                </a:highlight>
-              </a:rPr>
-              <a:t>.</a:t>
-            </a:r>
-            <a:endParaRPr lang="ru" sz="2800" dirty="0">
-              <a:solidFill>
-                <a:srgbClr val="333333"/>
-              </a:solidFill>
-              <a:highlight>
-                <a:srgbClr val="FFFFFF"/>
-              </a:highlight>
-            </a:endParaRPr>
-          </a:p>
-          <a:p>
-            <a:pPr lvl="0">
-              <a:spcBef>
-                <a:spcPts val="0"/>
-              </a:spcBef>
-              <a:buNone/>
-            </a:pPr>
-            <a:endParaRPr dirty="0"/>
+            <a:pPr algn="ctr"/>
+            <a:r>
+              <a:rPr lang="ru-RU" dirty="0" smtClean="0"/>
+              <a:t>То, что легко автоматизируется</a:t>
+            </a:r>
+            <a:endParaRPr lang="en-US" dirty="0"/>
           </a:p>
         </p:txBody>
       </p:sp>
-    </p:spTree>
-  </p:cSld>
-  <p:clrMapOvr>
-    <a:masterClrMapping/>
-  </p:clrMapOvr>
-</p:sld>
-</file>
-
-<file path=ppt/slides/slide9.xml><?xml version="1.0" encoding="utf-8"?>
-<p:sld xmlns:a="http://schemas.openxmlformats.org/drawingml/2006/main" xmlns:r="http://schemas.openxmlformats.org/officeDocument/2006/relationships" xmlns:p="http://schemas.openxmlformats.org/presentationml/2006/main">
-  <p:cSld>
-    <p:spTree>
-      <p:nvGrpSpPr>
-        <p:cNvPr id="1" name="Shape 100"/>
-        <p:cNvGrpSpPr/>
-        <p:nvPr/>
-      </p:nvGrpSpPr>
-      <p:grpSpPr>
-        <a:xfrm>
-          <a:off x="0" y="0"/>
-          <a:ext cx="0" cy="0"/>
-          <a:chOff x="0" y="0"/>
-          <a:chExt cx="0" cy="0"/>
-        </a:xfrm>
-      </p:grpSpPr>
       <p:sp>
         <p:nvSpPr>
-          <p:cNvPr id="101" name="Shape 101"/>
-          <p:cNvSpPr txBox="1">
-            <a:spLocks noGrp="1"/>
-          </p:cNvSpPr>
-          <p:nvPr>
-            <p:ph type="title"/>
-          </p:nvPr>
+          <p:cNvPr id="8" name="Прямоугольник 7"/>
+          <p:cNvSpPr/>
+          <p:nvPr/>
         </p:nvSpPr>
         <p:spPr>
           <a:xfrm>
-            <a:off x="76100" y="0"/>
-            <a:ext cx="8520600" cy="572700"/>
+            <a:off x="593767" y="2857994"/>
+            <a:ext cx="2873828" cy="498764"/>
           </a:xfrm>
           <a:prstGeom prst="rect">
             <a:avLst/>
           </a:prstGeom>
         </p:spPr>
+        <p:style>
+          <a:lnRef idx="2">
+            <a:schemeClr val="accent1">
+              <a:shade val="50000"/>
+            </a:schemeClr>
+          </a:lnRef>
+          <a:fillRef idx="1">
+            <a:schemeClr val="accent1"/>
+          </a:fillRef>
+          <a:effectRef idx="0">
+            <a:schemeClr val="accent1"/>
+          </a:effectRef>
+          <a:fontRef idx="minor">
+            <a:schemeClr val="lt1"/>
+          </a:fontRef>
+        </p:style>
         <p:txBody>
-          <a:bodyPr lIns="91425" tIns="91425" rIns="91425" bIns="91425" anchor="t" anchorCtr="0">
-            <a:noAutofit/>
-          </a:bodyPr>
+          <a:bodyPr rtlCol="0" anchor="ctr"/>
           <a:lstStyle/>
           <a:p>
-            <a:pPr lvl="0">
-              <a:spcBef>
-                <a:spcPts val="0"/>
-              </a:spcBef>
-              <a:buNone/>
-            </a:pPr>
-            <a:r>
-              <a:rPr lang="ru" dirty="0"/>
-              <a:t>Дерево DOM</a:t>
-            </a:r>
+            <a:pPr algn="ctr"/>
+            <a:r>
+              <a:rPr lang="ru-RU" dirty="0" smtClean="0"/>
+              <a:t>Приоритетные тест-кейсы</a:t>
+            </a:r>
+            <a:endParaRPr lang="en-US" dirty="0"/>
           </a:p>
         </p:txBody>
       </p:sp>
       <p:sp>
         <p:nvSpPr>
-          <p:cNvPr id="102" name="Shape 102"/>
-          <p:cNvSpPr txBox="1">
-            <a:spLocks noGrp="1"/>
-          </p:cNvSpPr>
-          <p:nvPr>
-            <p:ph type="body" idx="1"/>
-          </p:nvPr>
+          <p:cNvPr id="9" name="Прямоугольник 8"/>
+          <p:cNvSpPr/>
+          <p:nvPr/>
         </p:nvSpPr>
         <p:spPr>
           <a:xfrm>
-            <a:off x="76100" y="1535300"/>
-            <a:ext cx="8520600" cy="1065900"/>
+            <a:off x="593767" y="3497282"/>
+            <a:ext cx="2873828" cy="498764"/>
           </a:xfrm>
           <a:prstGeom prst="rect">
             <a:avLst/>
           </a:prstGeom>
         </p:spPr>
+        <p:style>
+          <a:lnRef idx="2">
+            <a:schemeClr val="accent1">
+              <a:shade val="50000"/>
+            </a:schemeClr>
+          </a:lnRef>
+          <a:fillRef idx="1">
+            <a:schemeClr val="accent1"/>
+          </a:fillRef>
+          <a:effectRef idx="0">
+            <a:schemeClr val="accent1"/>
+          </a:effectRef>
+          <a:fontRef idx="minor">
+            <a:schemeClr val="lt1"/>
+          </a:fontRef>
+        </p:style>
         <p:txBody>
-          <a:bodyPr lIns="91425" tIns="91425" rIns="91425" bIns="91425" anchor="t" anchorCtr="0">
-            <a:noAutofit/>
-          </a:bodyPr>
+          <a:bodyPr rtlCol="0" anchor="ctr"/>
           <a:lstStyle/>
           <a:p>
-            <a:pPr lvl="0" rtl="0">
-              <a:lnSpc>
-                <a:spcPct val="149217"/>
-              </a:lnSpc>
-              <a:spcBef>
-                <a:spcPts val="1100"/>
-              </a:spcBef>
-              <a:spcAft>
-                <a:spcPts val="0"/>
-              </a:spcAft>
-              <a:buClr>
-                <a:schemeClr val="dk1"/>
-              </a:buClr>
-              <a:buSzPct val="45833"/>
-              <a:buFont typeface="Arial"/>
-              <a:buNone/>
-            </a:pPr>
-            <a:r>
-              <a:rPr lang="ru" sz="2400" b="1" dirty="0">
-                <a:solidFill>
-                  <a:srgbClr val="333333"/>
-                </a:solidFill>
-                <a:highlight>
-                  <a:srgbClr val="FFFFFF"/>
-                </a:highlight>
-              </a:rPr>
-              <a:t>DOM (Document Object Model) </a:t>
-            </a:r>
-            <a:r>
-              <a:rPr lang="ru" sz="2400" dirty="0">
-                <a:solidFill>
-                  <a:srgbClr val="333333"/>
-                </a:solidFill>
-                <a:highlight>
-                  <a:srgbClr val="FFFFFF"/>
-                </a:highlight>
-              </a:rPr>
-              <a:t>- основной инструмент работы и динамических изменений на странице, используемый для XML/HTML-документов.</a:t>
-            </a:r>
+            <a:pPr algn="ctr"/>
+            <a:r>
+              <a:rPr lang="en-US" dirty="0" smtClean="0"/>
+              <a:t>E2e </a:t>
+            </a:r>
+            <a:r>
+              <a:rPr lang="ru-RU" dirty="0" smtClean="0"/>
+              <a:t>тест-кейсы</a:t>
+            </a:r>
+            <a:endParaRPr lang="en-US" dirty="0"/>
           </a:p>
+        </p:txBody>
+      </p:sp>
+      <p:sp>
+        <p:nvSpPr>
+          <p:cNvPr id="14" name="Прямоугольник 13"/>
+          <p:cNvSpPr/>
+          <p:nvPr/>
+        </p:nvSpPr>
+        <p:spPr>
+          <a:xfrm>
+            <a:off x="5676404" y="1969324"/>
+            <a:ext cx="2873828" cy="498764"/>
+          </a:xfrm>
+          <a:prstGeom prst="rect">
+            <a:avLst/>
+          </a:prstGeom>
+        </p:spPr>
+        <p:style>
+          <a:lnRef idx="2">
+            <a:schemeClr val="accent1">
+              <a:shade val="50000"/>
+            </a:schemeClr>
+          </a:lnRef>
+          <a:fillRef idx="1">
+            <a:schemeClr val="accent1"/>
+          </a:fillRef>
+          <a:effectRef idx="0">
+            <a:schemeClr val="accent1"/>
+          </a:effectRef>
+          <a:fontRef idx="minor">
+            <a:schemeClr val="lt1"/>
+          </a:fontRef>
+        </p:style>
+        <p:txBody>
+          <a:bodyPr rtlCol="0" anchor="ctr"/>
+          <a:lstStyle/>
           <a:p>
-            <a:pPr lvl="0">
-              <a:spcBef>
-                <a:spcPts val="0"/>
-              </a:spcBef>
-              <a:buNone/>
-            </a:pPr>
-            <a:endParaRPr sz="2800" dirty="0">
-              <a:solidFill>
-                <a:schemeClr val="dk1"/>
-              </a:solidFill>
-            </a:endParaRPr>
+            <a:pPr algn="ctr"/>
+            <a:r>
+              <a:rPr lang="ru-RU" dirty="0" smtClean="0"/>
+              <a:t>Низко-уровневую функциональность</a:t>
+            </a:r>
+            <a:endParaRPr lang="en-US" dirty="0"/>
+          </a:p>
+        </p:txBody>
+      </p:sp>
+      <p:sp>
+        <p:nvSpPr>
+          <p:cNvPr id="15" name="Прямоугольник 14"/>
+          <p:cNvSpPr/>
+          <p:nvPr/>
+        </p:nvSpPr>
+        <p:spPr>
+          <a:xfrm>
+            <a:off x="5676404" y="2608612"/>
+            <a:ext cx="2873828" cy="498764"/>
+          </a:xfrm>
+          <a:prstGeom prst="rect">
+            <a:avLst/>
+          </a:prstGeom>
+        </p:spPr>
+        <p:style>
+          <a:lnRef idx="2">
+            <a:schemeClr val="accent1">
+              <a:shade val="50000"/>
+            </a:schemeClr>
+          </a:lnRef>
+          <a:fillRef idx="1">
+            <a:schemeClr val="accent1"/>
+          </a:fillRef>
+          <a:effectRef idx="0">
+            <a:schemeClr val="accent1"/>
+          </a:effectRef>
+          <a:fontRef idx="minor">
+            <a:schemeClr val="lt1"/>
+          </a:fontRef>
+        </p:style>
+        <p:txBody>
+          <a:bodyPr rtlCol="0" anchor="ctr"/>
+          <a:lstStyle/>
+          <a:p>
+            <a:pPr algn="ctr"/>
+            <a:r>
+              <a:rPr lang="ru-RU" dirty="0" smtClean="0"/>
+              <a:t>Труднодоступные места в системе</a:t>
+            </a:r>
+            <a:endParaRPr lang="en-US" dirty="0"/>
+          </a:p>
+        </p:txBody>
+      </p:sp>
+      <p:sp>
+        <p:nvSpPr>
+          <p:cNvPr id="16" name="Прямоугольник 15"/>
+          <p:cNvSpPr/>
+          <p:nvPr/>
+        </p:nvSpPr>
+        <p:spPr>
+          <a:xfrm>
+            <a:off x="5676404" y="3247900"/>
+            <a:ext cx="2873828" cy="498764"/>
+          </a:xfrm>
+          <a:prstGeom prst="rect">
+            <a:avLst/>
+          </a:prstGeom>
+        </p:spPr>
+        <p:style>
+          <a:lnRef idx="2">
+            <a:schemeClr val="accent1">
+              <a:shade val="50000"/>
+            </a:schemeClr>
+          </a:lnRef>
+          <a:fillRef idx="1">
+            <a:schemeClr val="accent1"/>
+          </a:fillRef>
+          <a:effectRef idx="0">
+            <a:schemeClr val="accent1"/>
+          </a:effectRef>
+          <a:fontRef idx="minor">
+            <a:schemeClr val="lt1"/>
+          </a:fontRef>
+        </p:style>
+        <p:txBody>
+          <a:bodyPr rtlCol="0" anchor="ctr"/>
+          <a:lstStyle/>
+          <a:p>
+            <a:pPr algn="ctr"/>
+            <a:r>
+              <a:rPr lang="ru-RU" dirty="0" smtClean="0"/>
+              <a:t>Часто повторяющиеся тест-кейсы</a:t>
+            </a:r>
+            <a:endParaRPr lang="en-US" dirty="0"/>
           </a:p>
         </p:txBody>
       </p:sp>
     </p:spTree>
+    <p:extLst>
+      <p:ext uri="{BB962C8B-B14F-4D97-AF65-F5344CB8AC3E}">
+        <p14:creationId xmlns:p14="http://schemas.microsoft.com/office/powerpoint/2010/main" val="1163726306"/>
+      </p:ext>
+    </p:extLst>
   </p:cSld>
   <p:clrMapOvr>
     <a:masterClrMapping/>
